--- a/FI&M.pptx
+++ b/FI&M.pptx
@@ -12,13 +12,13 @@
     <p:sldId id="267" r:id="rId3"/>
     <p:sldId id="263" r:id="rId4"/>
     <p:sldId id="265" r:id="rId5"/>
-    <p:sldId id="264" r:id="rId6"/>
-    <p:sldId id="266" r:id="rId7"/>
-    <p:sldId id="272" r:id="rId8"/>
-    <p:sldId id="257" r:id="rId9"/>
-    <p:sldId id="258" r:id="rId10"/>
-    <p:sldId id="259" r:id="rId11"/>
-    <p:sldId id="268" r:id="rId12"/>
+    <p:sldId id="273" r:id="rId6"/>
+    <p:sldId id="264" r:id="rId7"/>
+    <p:sldId id="266" r:id="rId8"/>
+    <p:sldId id="272" r:id="rId9"/>
+    <p:sldId id="257" r:id="rId10"/>
+    <p:sldId id="258" r:id="rId11"/>
+    <p:sldId id="259" r:id="rId12"/>
     <p:sldId id="269" r:id="rId13"/>
     <p:sldId id="270" r:id="rId14"/>
     <p:sldId id="260" r:id="rId15"/>
@@ -439,7 +439,7 @@
                 <a:cs typeface="+mn-cs"/>
               </a:defRPr>
             </a:pPr>
-            <a:endParaRPr lang="en-US"/>
+            <a:endParaRPr lang="en-PK"/>
           </a:p>
         </c:txPr>
         <c:crossAx val="415330560"/>
@@ -521,7 +521,7 @@
                   <a:cs typeface="+mn-cs"/>
                 </a:defRPr>
               </a:pPr>
-              <a:endParaRPr lang="en-US"/>
+              <a:endParaRPr lang="en-PK"/>
             </a:p>
           </c:txPr>
         </c:title>
@@ -553,7 +553,7 @@
                 <a:cs typeface="+mn-cs"/>
               </a:defRPr>
             </a:pPr>
-            <a:endParaRPr lang="en-US"/>
+            <a:endParaRPr lang="en-PK"/>
           </a:p>
         </c:txPr>
         <c:crossAx val="415333840"/>
@@ -595,7 +595,7 @@
                 <a:cs typeface="+mn-cs"/>
               </a:defRPr>
             </a:pPr>
-            <a:endParaRPr lang="en-US"/>
+            <a:endParaRPr lang="en-PK"/>
           </a:p>
         </c:txPr>
       </c:dTable>
@@ -625,7 +625,7 @@
       <a:pPr>
         <a:defRPr/>
       </a:pPr>
-      <a:endParaRPr lang="en-US"/>
+      <a:endParaRPr lang="en-PK"/>
     </a:p>
   </c:txPr>
   <c:externalData r:id="rId3">
@@ -635,6 +635,457 @@
 </file>
 
 <file path=ppt/charts/chart2.xml><?xml version="1.0" encoding="utf-8"?>
+<c:chartSpace xmlns:c="http://schemas.openxmlformats.org/drawingml/2006/chart" xmlns:a="http://schemas.openxmlformats.org/drawingml/2006/main" xmlns:r="http://schemas.openxmlformats.org/officeDocument/2006/relationships" xmlns:c16r2="http://schemas.microsoft.com/office/drawing/2015/06/chart">
+  <c:date1904 val="0"/>
+  <c:lang val="en-US"/>
+  <c:roundedCorners val="0"/>
+  <mc:AlternateContent xmlns:mc="http://schemas.openxmlformats.org/markup-compatibility/2006">
+    <mc:Choice xmlns:c14="http://schemas.microsoft.com/office/drawing/2007/8/2/chart" Requires="c14">
+      <c14:style val="102"/>
+    </mc:Choice>
+    <mc:Fallback>
+      <c:style val="2"/>
+    </mc:Fallback>
+  </mc:AlternateContent>
+  <c:chart>
+    <c:autoTitleDeleted val="0"/>
+    <c:plotArea>
+      <c:layout/>
+      <c:lineChart>
+        <c:grouping val="standard"/>
+        <c:varyColors val="0"/>
+        <c:ser>
+          <c:idx val="2"/>
+          <c:order val="0"/>
+          <c:tx>
+            <c:strRef>
+              <c:f>Sheet1!$I$2</c:f>
+              <c:strCache>
+                <c:ptCount val="1"/>
+                <c:pt idx="0">
+                  <c:v>Exchange Rate</c:v>
+                </c:pt>
+              </c:strCache>
+            </c:strRef>
+          </c:tx>
+          <c:spPr>
+            <a:ln w="28575" cap="rnd">
+              <a:solidFill>
+                <a:schemeClr val="accent3"/>
+              </a:solidFill>
+              <a:round/>
+            </a:ln>
+            <a:effectLst/>
+          </c:spPr>
+          <c:marker>
+            <c:symbol val="none"/>
+          </c:marker>
+          <c:cat>
+            <c:numRef>
+              <c:f>Sheet1!$A$4:$A$8</c:f>
+              <c:numCache>
+                <c:formatCode>General</c:formatCode>
+                <c:ptCount val="5"/>
+                <c:pt idx="0">
+                  <c:v>2017</c:v>
+                </c:pt>
+                <c:pt idx="1">
+                  <c:v>2018</c:v>
+                </c:pt>
+                <c:pt idx="2">
+                  <c:v>2019</c:v>
+                </c:pt>
+                <c:pt idx="3">
+                  <c:v>2020</c:v>
+                </c:pt>
+                <c:pt idx="4">
+                  <c:v>2021</c:v>
+                </c:pt>
+              </c:numCache>
+            </c:numRef>
+          </c:cat>
+          <c:val>
+            <c:numRef>
+              <c:f>Sheet1!$I$4:$I$8</c:f>
+              <c:numCache>
+                <c:formatCode>#,##0.00</c:formatCode>
+                <c:ptCount val="5"/>
+                <c:pt idx="0">
+                  <c:v>110.42</c:v>
+                </c:pt>
+                <c:pt idx="1">
+                  <c:v>138.86000000000001</c:v>
+                </c:pt>
+                <c:pt idx="2">
+                  <c:v>154.85</c:v>
+                </c:pt>
+                <c:pt idx="3">
+                  <c:v>159.83000000000001</c:v>
+                </c:pt>
+                <c:pt idx="4">
+                  <c:v>176.51</c:v>
+                </c:pt>
+              </c:numCache>
+            </c:numRef>
+          </c:val>
+          <c:smooth val="0"/>
+          <c:extLst>
+            <c:ext xmlns:c16="http://schemas.microsoft.com/office/drawing/2014/chart" uri="{C3380CC4-5D6E-409C-BE32-E72D297353CC}">
+              <c16:uniqueId val="{00000000-9188-498D-9560-4884D013079E}"/>
+            </c:ext>
+          </c:extLst>
+        </c:ser>
+        <c:dLbls>
+          <c:showLegendKey val="0"/>
+          <c:showVal val="0"/>
+          <c:showCatName val="0"/>
+          <c:showSerName val="0"/>
+          <c:showPercent val="0"/>
+          <c:showBubbleSize val="0"/>
+        </c:dLbls>
+        <c:marker val="1"/>
+        <c:smooth val="0"/>
+        <c:axId val="1998841583"/>
+        <c:axId val="1996816703"/>
+      </c:lineChart>
+      <c:lineChart>
+        <c:grouping val="standard"/>
+        <c:varyColors val="0"/>
+        <c:ser>
+          <c:idx val="3"/>
+          <c:order val="1"/>
+          <c:tx>
+            <c:strRef>
+              <c:f>Sheet1!$D$2</c:f>
+              <c:strCache>
+                <c:ptCount val="1"/>
+                <c:pt idx="0">
+                  <c:v>Foreign Cash</c:v>
+                </c:pt>
+              </c:strCache>
+            </c:strRef>
+          </c:tx>
+          <c:spPr>
+            <a:ln w="28575" cap="rnd">
+              <a:solidFill>
+                <a:schemeClr val="accent4"/>
+              </a:solidFill>
+              <a:round/>
+            </a:ln>
+            <a:effectLst/>
+          </c:spPr>
+          <c:marker>
+            <c:symbol val="none"/>
+          </c:marker>
+          <c:cat>
+            <c:numRef>
+              <c:f>Sheet1!$A$4:$A$8</c:f>
+              <c:numCache>
+                <c:formatCode>General</c:formatCode>
+                <c:ptCount val="5"/>
+                <c:pt idx="0">
+                  <c:v>2017</c:v>
+                </c:pt>
+                <c:pt idx="1">
+                  <c:v>2018</c:v>
+                </c:pt>
+                <c:pt idx="2">
+                  <c:v>2019</c:v>
+                </c:pt>
+                <c:pt idx="3">
+                  <c:v>2020</c:v>
+                </c:pt>
+                <c:pt idx="4">
+                  <c:v>2021</c:v>
+                </c:pt>
+              </c:numCache>
+            </c:numRef>
+          </c:cat>
+          <c:val>
+            <c:numRef>
+              <c:f>Sheet1!$D$4:$D$8</c:f>
+              <c:numCache>
+                <c:formatCode>#,##0</c:formatCode>
+                <c:ptCount val="5"/>
+                <c:pt idx="0">
+                  <c:v>1646801</c:v>
+                </c:pt>
+                <c:pt idx="1">
+                  <c:v>1935969</c:v>
+                </c:pt>
+                <c:pt idx="2">
+                  <c:v>2441156</c:v>
+                </c:pt>
+                <c:pt idx="3">
+                  <c:v>4030731</c:v>
+                </c:pt>
+                <c:pt idx="4">
+                  <c:v>4059596</c:v>
+                </c:pt>
+              </c:numCache>
+            </c:numRef>
+          </c:val>
+          <c:smooth val="0"/>
+          <c:extLst>
+            <c:ext xmlns:c16="http://schemas.microsoft.com/office/drawing/2014/chart" uri="{C3380CC4-5D6E-409C-BE32-E72D297353CC}">
+              <c16:uniqueId val="{00000001-9188-498D-9560-4884D013079E}"/>
+            </c:ext>
+          </c:extLst>
+        </c:ser>
+        <c:dLbls>
+          <c:showLegendKey val="0"/>
+          <c:showVal val="0"/>
+          <c:showCatName val="0"/>
+          <c:showSerName val="0"/>
+          <c:showPercent val="0"/>
+          <c:showBubbleSize val="0"/>
+        </c:dLbls>
+        <c:marker val="1"/>
+        <c:smooth val="0"/>
+        <c:axId val="1899190255"/>
+        <c:axId val="2004569551"/>
+      </c:lineChart>
+      <c:catAx>
+        <c:axId val="1998841583"/>
+        <c:scaling>
+          <c:orientation val="minMax"/>
+        </c:scaling>
+        <c:delete val="0"/>
+        <c:axPos val="b"/>
+        <c:numFmt formatCode="General" sourceLinked="1"/>
+        <c:majorTickMark val="none"/>
+        <c:minorTickMark val="none"/>
+        <c:tickLblPos val="nextTo"/>
+        <c:spPr>
+          <a:noFill/>
+          <a:ln w="9525" cap="flat" cmpd="sng" algn="ctr">
+            <a:solidFill>
+              <a:schemeClr val="tx1">
+                <a:lumMod val="15000"/>
+                <a:lumOff val="85000"/>
+              </a:schemeClr>
+            </a:solidFill>
+            <a:round/>
+          </a:ln>
+          <a:effectLst/>
+        </c:spPr>
+        <c:txPr>
+          <a:bodyPr rot="-60000000" spcFirstLastPara="1" vertOverflow="ellipsis" vert="horz" wrap="square" anchor="ctr" anchorCtr="1"/>
+          <a:lstStyle/>
+          <a:p>
+            <a:pPr>
+              <a:defRPr sz="1800" b="0" i="0" u="none" strike="noStrike" kern="1200" baseline="0">
+                <a:solidFill>
+                  <a:schemeClr val="tx1">
+                    <a:lumMod val="65000"/>
+                    <a:lumOff val="35000"/>
+                  </a:schemeClr>
+                </a:solidFill>
+                <a:latin typeface="+mn-lt"/>
+                <a:ea typeface="+mn-ea"/>
+                <a:cs typeface="+mn-cs"/>
+              </a:defRPr>
+            </a:pPr>
+            <a:endParaRPr lang="en-PK"/>
+          </a:p>
+        </c:txPr>
+        <c:crossAx val="1996816703"/>
+        <c:crosses val="autoZero"/>
+        <c:auto val="1"/>
+        <c:lblAlgn val="ctr"/>
+        <c:lblOffset val="100"/>
+        <c:noMultiLvlLbl val="0"/>
+      </c:catAx>
+      <c:valAx>
+        <c:axId val="1996816703"/>
+        <c:scaling>
+          <c:orientation val="minMax"/>
+        </c:scaling>
+        <c:delete val="0"/>
+        <c:axPos val="l"/>
+        <c:majorGridlines>
+          <c:spPr>
+            <a:ln w="9525" cap="flat" cmpd="sng" algn="ctr">
+              <a:solidFill>
+                <a:schemeClr val="tx1">
+                  <a:lumMod val="15000"/>
+                  <a:lumOff val="85000"/>
+                </a:schemeClr>
+              </a:solidFill>
+              <a:round/>
+            </a:ln>
+            <a:effectLst/>
+          </c:spPr>
+        </c:majorGridlines>
+        <c:numFmt formatCode="#,##0.00" sourceLinked="1"/>
+        <c:majorTickMark val="none"/>
+        <c:minorTickMark val="none"/>
+        <c:tickLblPos val="nextTo"/>
+        <c:spPr>
+          <a:noFill/>
+          <a:ln>
+            <a:noFill/>
+          </a:ln>
+          <a:effectLst/>
+        </c:spPr>
+        <c:txPr>
+          <a:bodyPr rot="-60000000" spcFirstLastPara="1" vertOverflow="ellipsis" vert="horz" wrap="square" anchor="ctr" anchorCtr="1"/>
+          <a:lstStyle/>
+          <a:p>
+            <a:pPr>
+              <a:defRPr sz="1800" b="0" i="0" u="none" strike="noStrike" kern="1200" baseline="0">
+                <a:solidFill>
+                  <a:schemeClr val="tx1">
+                    <a:lumMod val="65000"/>
+                    <a:lumOff val="35000"/>
+                  </a:schemeClr>
+                </a:solidFill>
+                <a:latin typeface="+mn-lt"/>
+                <a:ea typeface="+mn-ea"/>
+                <a:cs typeface="+mn-cs"/>
+              </a:defRPr>
+            </a:pPr>
+            <a:endParaRPr lang="en-PK"/>
+          </a:p>
+        </c:txPr>
+        <c:crossAx val="1998841583"/>
+        <c:crosses val="autoZero"/>
+        <c:crossBetween val="between"/>
+      </c:valAx>
+      <c:valAx>
+        <c:axId val="2004569551"/>
+        <c:scaling>
+          <c:orientation val="minMax"/>
+        </c:scaling>
+        <c:delete val="0"/>
+        <c:axPos val="r"/>
+        <c:numFmt formatCode="#,##0" sourceLinked="1"/>
+        <c:majorTickMark val="out"/>
+        <c:minorTickMark val="none"/>
+        <c:tickLblPos val="nextTo"/>
+        <c:spPr>
+          <a:noFill/>
+          <a:ln>
+            <a:noFill/>
+          </a:ln>
+          <a:effectLst/>
+        </c:spPr>
+        <c:txPr>
+          <a:bodyPr rot="-60000000" spcFirstLastPara="1" vertOverflow="ellipsis" vert="horz" wrap="square" anchor="ctr" anchorCtr="1"/>
+          <a:lstStyle/>
+          <a:p>
+            <a:pPr>
+              <a:defRPr sz="1800" b="0" i="0" u="none" strike="noStrike" kern="1200" baseline="0">
+                <a:solidFill>
+                  <a:schemeClr val="tx1">
+                    <a:lumMod val="65000"/>
+                    <a:lumOff val="35000"/>
+                  </a:schemeClr>
+                </a:solidFill>
+                <a:latin typeface="+mn-lt"/>
+                <a:ea typeface="+mn-ea"/>
+                <a:cs typeface="+mn-cs"/>
+              </a:defRPr>
+            </a:pPr>
+            <a:endParaRPr lang="en-PK"/>
+          </a:p>
+        </c:txPr>
+        <c:crossAx val="1899190255"/>
+        <c:crosses val="max"/>
+        <c:crossBetween val="between"/>
+      </c:valAx>
+      <c:catAx>
+        <c:axId val="1899190255"/>
+        <c:scaling>
+          <c:orientation val="minMax"/>
+        </c:scaling>
+        <c:delete val="1"/>
+        <c:axPos val="b"/>
+        <c:numFmt formatCode="General" sourceLinked="1"/>
+        <c:majorTickMark val="out"/>
+        <c:minorTickMark val="none"/>
+        <c:tickLblPos val="nextTo"/>
+        <c:crossAx val="2004569551"/>
+        <c:crosses val="autoZero"/>
+        <c:auto val="1"/>
+        <c:lblAlgn val="ctr"/>
+        <c:lblOffset val="100"/>
+        <c:noMultiLvlLbl val="0"/>
+      </c:catAx>
+      <c:spPr>
+        <a:noFill/>
+        <a:ln>
+          <a:noFill/>
+        </a:ln>
+        <a:effectLst/>
+      </c:spPr>
+    </c:plotArea>
+    <c:legend>
+      <c:legendPos val="r"/>
+      <c:overlay val="0"/>
+      <c:spPr>
+        <a:noFill/>
+        <a:ln>
+          <a:noFill/>
+        </a:ln>
+        <a:effectLst/>
+      </c:spPr>
+      <c:txPr>
+        <a:bodyPr rot="0" spcFirstLastPara="1" vertOverflow="ellipsis" vert="horz" wrap="square" anchor="ctr" anchorCtr="1"/>
+        <a:lstStyle/>
+        <a:p>
+          <a:pPr>
+            <a:defRPr sz="1200" b="0" i="0" u="none" strike="noStrike" kern="1200" baseline="0">
+              <a:solidFill>
+                <a:schemeClr val="tx1">
+                  <a:lumMod val="65000"/>
+                  <a:lumOff val="35000"/>
+                </a:schemeClr>
+              </a:solidFill>
+              <a:latin typeface="+mn-lt"/>
+              <a:ea typeface="+mn-ea"/>
+              <a:cs typeface="+mn-cs"/>
+            </a:defRPr>
+          </a:pPr>
+          <a:endParaRPr lang="en-PK"/>
+        </a:p>
+      </c:txPr>
+    </c:legend>
+    <c:plotVisOnly val="1"/>
+    <c:dispBlanksAs val="gap"/>
+    <c:extLst>
+      <c:ext xmlns:c16r3="http://schemas.microsoft.com/office/drawing/2017/03/chart" uri="{56B9EC1D-385E-4148-901F-78D8002777C0}">
+        <c16r3:dataDisplayOptions16>
+          <c16r3:dispNaAsBlank val="1"/>
+        </c16r3:dataDisplayOptions16>
+      </c:ext>
+    </c:extLst>
+    <c:showDLblsOverMax val="0"/>
+  </c:chart>
+  <c:spPr>
+    <a:noFill/>
+    <a:ln>
+      <a:noFill/>
+    </a:ln>
+    <a:effectLst/>
+  </c:spPr>
+  <c:txPr>
+    <a:bodyPr/>
+    <a:lstStyle/>
+    <a:p>
+      <a:pPr>
+        <a:defRPr/>
+      </a:pPr>
+      <a:endParaRPr lang="en-PK"/>
+    </a:p>
+  </c:txPr>
+  <c:externalData r:id="rId3">
+    <c:autoUpdate val="0"/>
+  </c:externalData>
+</c:chartSpace>
+</file>
+
+<file path=ppt/charts/chart3.xml><?xml version="1.0" encoding="utf-8"?>
 <c:chartSpace xmlns:c="http://schemas.openxmlformats.org/drawingml/2006/chart" xmlns:a="http://schemas.openxmlformats.org/drawingml/2006/main" xmlns:r="http://schemas.openxmlformats.org/officeDocument/2006/relationships" xmlns:c16r2="http://schemas.microsoft.com/office/drawing/2015/06/chart">
   <c:date1904 val="0"/>
   <c:lang val="en-US"/>
@@ -706,7 +1157,7 @@
                     <a:cs typeface="+mn-cs"/>
                   </a:defRPr>
                 </a:pPr>
-                <a:endParaRPr lang="en-US"/>
+                <a:endParaRPr lang="en-PK"/>
               </a:p>
             </c:txPr>
             <c:dLblPos val="outEnd"/>
@@ -846,7 +1297,7 @@
                 <a:cs typeface="+mn-cs"/>
               </a:defRPr>
             </a:pPr>
-            <a:endParaRPr lang="en-US"/>
+            <a:endParaRPr lang="en-PK"/>
           </a:p>
         </c:txPr>
         <c:crossAx val="545846568"/>
@@ -905,7 +1356,7 @@
                 <a:cs typeface="+mn-cs"/>
               </a:defRPr>
             </a:pPr>
-            <a:endParaRPr lang="en-US"/>
+            <a:endParaRPr lang="en-PK"/>
           </a:p>
         </c:txPr>
         <c:crossAx val="545849520"/>
@@ -938,7 +1389,7 @@
       <a:pPr>
         <a:defRPr/>
       </a:pPr>
-      <a:endParaRPr lang="en-US"/>
+      <a:endParaRPr lang="en-PK"/>
     </a:p>
   </c:txPr>
   <c:externalData r:id="rId3">
@@ -947,7 +1398,7 @@
 </c:chartSpace>
 </file>
 
-<file path=ppt/charts/chart3.xml><?xml version="1.0" encoding="utf-8"?>
+<file path=ppt/charts/chart4.xml><?xml version="1.0" encoding="utf-8"?>
 <c:chartSpace xmlns:c="http://schemas.openxmlformats.org/drawingml/2006/chart" xmlns:a="http://schemas.openxmlformats.org/drawingml/2006/main" xmlns:r="http://schemas.openxmlformats.org/officeDocument/2006/relationships" xmlns:c16r2="http://schemas.microsoft.com/office/drawing/2015/06/chart">
   <c:date1904 val="0"/>
   <c:lang val="en-US"/>
@@ -1034,7 +1485,7 @@
               <a:cs typeface="+mn-cs"/>
             </a:defRPr>
           </a:pPr>
-          <a:endParaRPr lang="en-US"/>
+          <a:endParaRPr lang="en-PK"/>
         </a:p>
       </c:txPr>
     </c:title>
@@ -1239,7 +1690,7 @@
                     <a:cs typeface="+mn-cs"/>
                   </a:defRPr>
                 </a:pPr>
-                <a:endParaRPr lang="en-US"/>
+                <a:endParaRPr lang="en-PK"/>
               </a:p>
             </c:txPr>
             <c:dLblPos val="ctr"/>
@@ -1385,7 +1836,7 @@
                 <a:cs typeface="+mn-cs"/>
               </a:defRPr>
             </a:pPr>
-            <a:endParaRPr lang="en-US"/>
+            <a:endParaRPr lang="en-PK"/>
           </a:p>
         </c:txPr>
         <c:crossAx val="1003628447"/>
@@ -1451,7 +1902,7 @@
       <a:pPr>
         <a:defRPr/>
       </a:pPr>
-      <a:endParaRPr lang="en-US"/>
+      <a:endParaRPr lang="en-PK"/>
     </a:p>
   </c:txPr>
   <c:externalData r:id="rId3">
@@ -1460,7 +1911,7 @@
 </c:chartSpace>
 </file>
 
-<file path=ppt/charts/chart4.xml><?xml version="1.0" encoding="utf-8"?>
+<file path=ppt/charts/chart5.xml><?xml version="1.0" encoding="utf-8"?>
 <c:chartSpace xmlns:c="http://schemas.openxmlformats.org/drawingml/2006/chart" xmlns:a="http://schemas.openxmlformats.org/drawingml/2006/main" xmlns:r="http://schemas.openxmlformats.org/officeDocument/2006/relationships" xmlns:c16r2="http://schemas.microsoft.com/office/drawing/2015/06/chart">
   <c:date1904 val="0"/>
   <c:lang val="en-US"/>
@@ -1500,7 +1951,7 @@
               <a:cs typeface="+mn-cs"/>
             </a:defRPr>
           </a:pPr>
-          <a:endParaRPr lang="en-US"/>
+          <a:endParaRPr lang="en-PK"/>
         </a:p>
       </c:txPr>
     </c:title>
@@ -1562,7 +2013,7 @@
                     <a:cs typeface="+mn-cs"/>
                   </a:defRPr>
                 </a:pPr>
-                <a:endParaRPr lang="en-US"/>
+                <a:endParaRPr lang="en-PK"/>
               </a:p>
             </c:txPr>
             <c:dLblPos val="outEnd"/>
@@ -1721,7 +2172,7 @@
                 <a:cs typeface="+mn-cs"/>
               </a:defRPr>
             </a:pPr>
-            <a:endParaRPr lang="en-US"/>
+            <a:endParaRPr lang="en-PK"/>
           </a:p>
         </c:txPr>
         <c:crossAx val="1415303888"/>
@@ -1772,7 +2223,7 @@
       <a:pPr>
         <a:defRPr/>
       </a:pPr>
-      <a:endParaRPr lang="en-US"/>
+      <a:endParaRPr lang="en-PK"/>
     </a:p>
   </c:txPr>
   <c:externalData r:id="rId3">
@@ -1941,6 +2392,46 @@
 </cs:colorStyle>
 </file>
 
+<file path=ppt/charts/colors5.xml><?xml version="1.0" encoding="utf-8"?>
+<cs:colorStyle xmlns:cs="http://schemas.microsoft.com/office/drawing/2012/chartStyle" xmlns:a="http://schemas.openxmlformats.org/drawingml/2006/main" meth="cycle" id="10">
+  <a:schemeClr val="accent1"/>
+  <a:schemeClr val="accent2"/>
+  <a:schemeClr val="accent3"/>
+  <a:schemeClr val="accent4"/>
+  <a:schemeClr val="accent5"/>
+  <a:schemeClr val="accent6"/>
+  <cs:variation/>
+  <cs:variation>
+    <a:lumMod val="60000"/>
+  </cs:variation>
+  <cs:variation>
+    <a:lumMod val="80000"/>
+    <a:lumOff val="20000"/>
+  </cs:variation>
+  <cs:variation>
+    <a:lumMod val="80000"/>
+  </cs:variation>
+  <cs:variation>
+    <a:lumMod val="60000"/>
+    <a:lumOff val="40000"/>
+  </cs:variation>
+  <cs:variation>
+    <a:lumMod val="50000"/>
+  </cs:variation>
+  <cs:variation>
+    <a:lumMod val="70000"/>
+    <a:lumOff val="30000"/>
+  </cs:variation>
+  <cs:variation>
+    <a:lumMod val="70000"/>
+  </cs:variation>
+  <cs:variation>
+    <a:lumMod val="50000"/>
+    <a:lumOff val="50000"/>
+  </cs:variation>
+</cs:colorStyle>
+</file>
+
 <file path=ppt/charts/style1.xml><?xml version="1.0" encoding="utf-8"?>
 <cs:chartStyle xmlns:cs="http://schemas.microsoft.com/office/drawing/2012/chartStyle" xmlns:a="http://schemas.openxmlformats.org/drawingml/2006/main" id="201">
   <cs:axisTitle>
@@ -2445,7 +2936,7 @@
 </file>
 
 <file path=ppt/charts/style2.xml><?xml version="1.0" encoding="utf-8"?>
-<cs:chartStyle xmlns:cs="http://schemas.microsoft.com/office/drawing/2012/chartStyle" xmlns:a="http://schemas.openxmlformats.org/drawingml/2006/main" id="201">
+<cs:chartStyle xmlns:cs="http://schemas.microsoft.com/office/drawing/2012/chartStyle" xmlns:a="http://schemas.openxmlformats.org/drawingml/2006/main" id="227">
   <cs:axisTitle>
     <cs:lnRef idx="0"/>
     <cs:fillRef idx="0"/>
@@ -2553,6 +3044,11 @@
     <cs:fontRef idx="minor">
       <a:schemeClr val="tx1"/>
     </cs:fontRef>
+    <cs:spPr>
+      <a:solidFill>
+        <a:schemeClr val="phClr"/>
+      </a:solidFill>
+    </cs:spPr>
   </cs:dataPoint>
   <cs:dataPoint3D>
     <cs:lnRef idx="0"/>
@@ -2563,6 +3059,11 @@
     <cs:fontRef idx="minor">
       <a:schemeClr val="tx1"/>
     </cs:fontRef>
+    <cs:spPr>
+      <a:solidFill>
+        <a:schemeClr val="phClr"/>
+      </a:solidFill>
+    </cs:spPr>
   </cs:dataPoint3D>
   <cs:dataPointLine>
     <cs:lnRef idx="0">
@@ -2594,6 +3095,9 @@
       <a:schemeClr val="tx1"/>
     </cs:fontRef>
     <cs:spPr>
+      <a:solidFill>
+        <a:schemeClr val="phClr"/>
+      </a:solidFill>
       <a:ln w="9525">
         <a:solidFill>
           <a:schemeClr val="phClr"/>
@@ -2948,6 +3452,509 @@
 </file>
 
 <file path=ppt/charts/style3.xml><?xml version="1.0" encoding="utf-8"?>
+<cs:chartStyle xmlns:cs="http://schemas.microsoft.com/office/drawing/2012/chartStyle" xmlns:a="http://schemas.openxmlformats.org/drawingml/2006/main" id="201">
+  <cs:axisTitle>
+    <cs:lnRef idx="0"/>
+    <cs:fillRef idx="0"/>
+    <cs:effectRef idx="0"/>
+    <cs:fontRef idx="minor">
+      <a:schemeClr val="tx1">
+        <a:lumMod val="65000"/>
+        <a:lumOff val="35000"/>
+      </a:schemeClr>
+    </cs:fontRef>
+    <cs:defRPr sz="1000" kern="1200"/>
+  </cs:axisTitle>
+  <cs:categoryAxis>
+    <cs:lnRef idx="0"/>
+    <cs:fillRef idx="0"/>
+    <cs:effectRef idx="0"/>
+    <cs:fontRef idx="minor">
+      <a:schemeClr val="tx1">
+        <a:lumMod val="65000"/>
+        <a:lumOff val="35000"/>
+      </a:schemeClr>
+    </cs:fontRef>
+    <cs:spPr>
+      <a:ln w="9525" cap="flat" cmpd="sng" algn="ctr">
+        <a:solidFill>
+          <a:schemeClr val="tx1">
+            <a:lumMod val="15000"/>
+            <a:lumOff val="85000"/>
+          </a:schemeClr>
+        </a:solidFill>
+        <a:round/>
+      </a:ln>
+    </cs:spPr>
+    <cs:defRPr sz="900" kern="1200"/>
+  </cs:categoryAxis>
+  <cs:chartArea mods="allowNoFillOverride allowNoLineOverride">
+    <cs:lnRef idx="0"/>
+    <cs:fillRef idx="0"/>
+    <cs:effectRef idx="0"/>
+    <cs:fontRef idx="minor">
+      <a:schemeClr val="tx1"/>
+    </cs:fontRef>
+    <cs:spPr>
+      <a:solidFill>
+        <a:schemeClr val="bg1"/>
+      </a:solidFill>
+      <a:ln w="9525" cap="flat" cmpd="sng" algn="ctr">
+        <a:solidFill>
+          <a:schemeClr val="tx1">
+            <a:lumMod val="15000"/>
+            <a:lumOff val="85000"/>
+          </a:schemeClr>
+        </a:solidFill>
+        <a:round/>
+      </a:ln>
+    </cs:spPr>
+    <cs:defRPr sz="1000" kern="1200"/>
+  </cs:chartArea>
+  <cs:dataLabel>
+    <cs:lnRef idx="0"/>
+    <cs:fillRef idx="0"/>
+    <cs:effectRef idx="0"/>
+    <cs:fontRef idx="minor">
+      <a:schemeClr val="tx1">
+        <a:lumMod val="75000"/>
+        <a:lumOff val="25000"/>
+      </a:schemeClr>
+    </cs:fontRef>
+    <cs:defRPr sz="900" kern="1200"/>
+  </cs:dataLabel>
+  <cs:dataLabelCallout>
+    <cs:lnRef idx="0"/>
+    <cs:fillRef idx="0"/>
+    <cs:effectRef idx="0"/>
+    <cs:fontRef idx="minor">
+      <a:schemeClr val="dk1">
+        <a:lumMod val="65000"/>
+        <a:lumOff val="35000"/>
+      </a:schemeClr>
+    </cs:fontRef>
+    <cs:spPr>
+      <a:solidFill>
+        <a:schemeClr val="lt1"/>
+      </a:solidFill>
+      <a:ln>
+        <a:solidFill>
+          <a:schemeClr val="dk1">
+            <a:lumMod val="25000"/>
+            <a:lumOff val="75000"/>
+          </a:schemeClr>
+        </a:solidFill>
+      </a:ln>
+    </cs:spPr>
+    <cs:defRPr sz="900" kern="1200"/>
+    <cs:bodyPr rot="0" spcFirstLastPara="1" vertOverflow="clip" horzOverflow="clip" vert="horz" wrap="square" lIns="36576" tIns="18288" rIns="36576" bIns="18288" anchor="ctr" anchorCtr="1">
+      <a:spAutoFit/>
+    </cs:bodyPr>
+  </cs:dataLabelCallout>
+  <cs:dataPoint>
+    <cs:lnRef idx="0"/>
+    <cs:fillRef idx="1">
+      <cs:styleClr val="auto"/>
+    </cs:fillRef>
+    <cs:effectRef idx="0"/>
+    <cs:fontRef idx="minor">
+      <a:schemeClr val="tx1"/>
+    </cs:fontRef>
+  </cs:dataPoint>
+  <cs:dataPoint3D>
+    <cs:lnRef idx="0"/>
+    <cs:fillRef idx="1">
+      <cs:styleClr val="auto"/>
+    </cs:fillRef>
+    <cs:effectRef idx="0"/>
+    <cs:fontRef idx="minor">
+      <a:schemeClr val="tx1"/>
+    </cs:fontRef>
+  </cs:dataPoint3D>
+  <cs:dataPointLine>
+    <cs:lnRef idx="0">
+      <cs:styleClr val="auto"/>
+    </cs:lnRef>
+    <cs:fillRef idx="1"/>
+    <cs:effectRef idx="0"/>
+    <cs:fontRef idx="minor">
+      <a:schemeClr val="tx1"/>
+    </cs:fontRef>
+    <cs:spPr>
+      <a:ln w="28575" cap="rnd">
+        <a:solidFill>
+          <a:schemeClr val="phClr"/>
+        </a:solidFill>
+        <a:round/>
+      </a:ln>
+    </cs:spPr>
+  </cs:dataPointLine>
+  <cs:dataPointMarker>
+    <cs:lnRef idx="0">
+      <cs:styleClr val="auto"/>
+    </cs:lnRef>
+    <cs:fillRef idx="1">
+      <cs:styleClr val="auto"/>
+    </cs:fillRef>
+    <cs:effectRef idx="0"/>
+    <cs:fontRef idx="minor">
+      <a:schemeClr val="tx1"/>
+    </cs:fontRef>
+    <cs:spPr>
+      <a:ln w="9525">
+        <a:solidFill>
+          <a:schemeClr val="phClr"/>
+        </a:solidFill>
+      </a:ln>
+    </cs:spPr>
+  </cs:dataPointMarker>
+  <cs:dataPointMarkerLayout symbol="circle" size="5"/>
+  <cs:dataPointWireframe>
+    <cs:lnRef idx="0">
+      <cs:styleClr val="auto"/>
+    </cs:lnRef>
+    <cs:fillRef idx="1"/>
+    <cs:effectRef idx="0"/>
+    <cs:fontRef idx="minor">
+      <a:schemeClr val="tx1"/>
+    </cs:fontRef>
+    <cs:spPr>
+      <a:ln w="9525" cap="rnd">
+        <a:solidFill>
+          <a:schemeClr val="phClr"/>
+        </a:solidFill>
+        <a:round/>
+      </a:ln>
+    </cs:spPr>
+  </cs:dataPointWireframe>
+  <cs:dataTable>
+    <cs:lnRef idx="0"/>
+    <cs:fillRef idx="0"/>
+    <cs:effectRef idx="0"/>
+    <cs:fontRef idx="minor">
+      <a:schemeClr val="tx1">
+        <a:lumMod val="65000"/>
+        <a:lumOff val="35000"/>
+      </a:schemeClr>
+    </cs:fontRef>
+    <cs:spPr>
+      <a:noFill/>
+      <a:ln w="9525" cap="flat" cmpd="sng" algn="ctr">
+        <a:solidFill>
+          <a:schemeClr val="tx1">
+            <a:lumMod val="15000"/>
+            <a:lumOff val="85000"/>
+          </a:schemeClr>
+        </a:solidFill>
+        <a:round/>
+      </a:ln>
+    </cs:spPr>
+    <cs:defRPr sz="900" kern="1200"/>
+  </cs:dataTable>
+  <cs:downBar>
+    <cs:lnRef idx="0"/>
+    <cs:fillRef idx="0"/>
+    <cs:effectRef idx="0"/>
+    <cs:fontRef idx="minor">
+      <a:schemeClr val="dk1"/>
+    </cs:fontRef>
+    <cs:spPr>
+      <a:solidFill>
+        <a:schemeClr val="dk1">
+          <a:lumMod val="65000"/>
+          <a:lumOff val="35000"/>
+        </a:schemeClr>
+      </a:solidFill>
+      <a:ln w="9525">
+        <a:solidFill>
+          <a:schemeClr val="tx1">
+            <a:lumMod val="65000"/>
+            <a:lumOff val="35000"/>
+          </a:schemeClr>
+        </a:solidFill>
+      </a:ln>
+    </cs:spPr>
+  </cs:downBar>
+  <cs:dropLine>
+    <cs:lnRef idx="0"/>
+    <cs:fillRef idx="0"/>
+    <cs:effectRef idx="0"/>
+    <cs:fontRef idx="minor">
+      <a:schemeClr val="tx1"/>
+    </cs:fontRef>
+    <cs:spPr>
+      <a:ln w="9525" cap="flat" cmpd="sng" algn="ctr">
+        <a:solidFill>
+          <a:schemeClr val="tx1">
+            <a:lumMod val="35000"/>
+            <a:lumOff val="65000"/>
+          </a:schemeClr>
+        </a:solidFill>
+        <a:round/>
+      </a:ln>
+    </cs:spPr>
+  </cs:dropLine>
+  <cs:errorBar>
+    <cs:lnRef idx="0"/>
+    <cs:fillRef idx="0"/>
+    <cs:effectRef idx="0"/>
+    <cs:fontRef idx="minor">
+      <a:schemeClr val="tx1"/>
+    </cs:fontRef>
+    <cs:spPr>
+      <a:ln w="9525" cap="flat" cmpd="sng" algn="ctr">
+        <a:solidFill>
+          <a:schemeClr val="tx1">
+            <a:lumMod val="65000"/>
+            <a:lumOff val="35000"/>
+          </a:schemeClr>
+        </a:solidFill>
+        <a:round/>
+      </a:ln>
+    </cs:spPr>
+  </cs:errorBar>
+  <cs:floor>
+    <cs:lnRef idx="0"/>
+    <cs:fillRef idx="0"/>
+    <cs:effectRef idx="0"/>
+    <cs:fontRef idx="minor">
+      <a:schemeClr val="tx1"/>
+    </cs:fontRef>
+    <cs:spPr>
+      <a:noFill/>
+      <a:ln>
+        <a:noFill/>
+      </a:ln>
+    </cs:spPr>
+  </cs:floor>
+  <cs:gridlineMajor>
+    <cs:lnRef idx="0"/>
+    <cs:fillRef idx="0"/>
+    <cs:effectRef idx="0"/>
+    <cs:fontRef idx="minor">
+      <a:schemeClr val="tx1"/>
+    </cs:fontRef>
+    <cs:spPr>
+      <a:ln w="9525" cap="flat" cmpd="sng" algn="ctr">
+        <a:solidFill>
+          <a:schemeClr val="tx1">
+            <a:lumMod val="15000"/>
+            <a:lumOff val="85000"/>
+          </a:schemeClr>
+        </a:solidFill>
+        <a:round/>
+      </a:ln>
+    </cs:spPr>
+  </cs:gridlineMajor>
+  <cs:gridlineMinor>
+    <cs:lnRef idx="0"/>
+    <cs:fillRef idx="0"/>
+    <cs:effectRef idx="0"/>
+    <cs:fontRef idx="minor">
+      <a:schemeClr val="tx1"/>
+    </cs:fontRef>
+    <cs:spPr>
+      <a:ln w="9525" cap="flat" cmpd="sng" algn="ctr">
+        <a:solidFill>
+          <a:schemeClr val="tx1">
+            <a:lumMod val="5000"/>
+            <a:lumOff val="95000"/>
+          </a:schemeClr>
+        </a:solidFill>
+        <a:round/>
+      </a:ln>
+    </cs:spPr>
+  </cs:gridlineMinor>
+  <cs:hiLoLine>
+    <cs:lnRef idx="0"/>
+    <cs:fillRef idx="0"/>
+    <cs:effectRef idx="0"/>
+    <cs:fontRef idx="minor">
+      <a:schemeClr val="tx1"/>
+    </cs:fontRef>
+    <cs:spPr>
+      <a:ln w="9525" cap="flat" cmpd="sng" algn="ctr">
+        <a:solidFill>
+          <a:schemeClr val="tx1">
+            <a:lumMod val="75000"/>
+            <a:lumOff val="25000"/>
+          </a:schemeClr>
+        </a:solidFill>
+        <a:round/>
+      </a:ln>
+    </cs:spPr>
+  </cs:hiLoLine>
+  <cs:leaderLine>
+    <cs:lnRef idx="0"/>
+    <cs:fillRef idx="0"/>
+    <cs:effectRef idx="0"/>
+    <cs:fontRef idx="minor">
+      <a:schemeClr val="tx1"/>
+    </cs:fontRef>
+    <cs:spPr>
+      <a:ln w="9525" cap="flat" cmpd="sng" algn="ctr">
+        <a:solidFill>
+          <a:schemeClr val="tx1">
+            <a:lumMod val="35000"/>
+            <a:lumOff val="65000"/>
+          </a:schemeClr>
+        </a:solidFill>
+        <a:round/>
+      </a:ln>
+    </cs:spPr>
+  </cs:leaderLine>
+  <cs:legend>
+    <cs:lnRef idx="0"/>
+    <cs:fillRef idx="0"/>
+    <cs:effectRef idx="0"/>
+    <cs:fontRef idx="minor">
+      <a:schemeClr val="tx1">
+        <a:lumMod val="65000"/>
+        <a:lumOff val="35000"/>
+      </a:schemeClr>
+    </cs:fontRef>
+    <cs:defRPr sz="900" kern="1200"/>
+  </cs:legend>
+  <cs:plotArea mods="allowNoFillOverride allowNoLineOverride">
+    <cs:lnRef idx="0"/>
+    <cs:fillRef idx="0"/>
+    <cs:effectRef idx="0"/>
+    <cs:fontRef idx="minor">
+      <a:schemeClr val="tx1"/>
+    </cs:fontRef>
+  </cs:plotArea>
+  <cs:plotArea3D mods="allowNoFillOverride allowNoLineOverride">
+    <cs:lnRef idx="0"/>
+    <cs:fillRef idx="0"/>
+    <cs:effectRef idx="0"/>
+    <cs:fontRef idx="minor">
+      <a:schemeClr val="tx1"/>
+    </cs:fontRef>
+  </cs:plotArea3D>
+  <cs:seriesAxis>
+    <cs:lnRef idx="0"/>
+    <cs:fillRef idx="0"/>
+    <cs:effectRef idx="0"/>
+    <cs:fontRef idx="minor">
+      <a:schemeClr val="tx1">
+        <a:lumMod val="65000"/>
+        <a:lumOff val="35000"/>
+      </a:schemeClr>
+    </cs:fontRef>
+    <cs:defRPr sz="900" kern="1200"/>
+  </cs:seriesAxis>
+  <cs:seriesLine>
+    <cs:lnRef idx="0"/>
+    <cs:fillRef idx="0"/>
+    <cs:effectRef idx="0"/>
+    <cs:fontRef idx="minor">
+      <a:schemeClr val="tx1"/>
+    </cs:fontRef>
+    <cs:spPr>
+      <a:ln w="9525" cap="flat" cmpd="sng" algn="ctr">
+        <a:solidFill>
+          <a:schemeClr val="tx1">
+            <a:lumMod val="35000"/>
+            <a:lumOff val="65000"/>
+          </a:schemeClr>
+        </a:solidFill>
+        <a:round/>
+      </a:ln>
+    </cs:spPr>
+  </cs:seriesLine>
+  <cs:title>
+    <cs:lnRef idx="0"/>
+    <cs:fillRef idx="0"/>
+    <cs:effectRef idx="0"/>
+    <cs:fontRef idx="minor">
+      <a:schemeClr val="tx1">
+        <a:lumMod val="65000"/>
+        <a:lumOff val="35000"/>
+      </a:schemeClr>
+    </cs:fontRef>
+    <cs:defRPr sz="1400" b="0" kern="1200" spc="0" baseline="0"/>
+  </cs:title>
+  <cs:trendline>
+    <cs:lnRef idx="0">
+      <cs:styleClr val="auto"/>
+    </cs:lnRef>
+    <cs:fillRef idx="0"/>
+    <cs:effectRef idx="0"/>
+    <cs:fontRef idx="minor">
+      <a:schemeClr val="tx1"/>
+    </cs:fontRef>
+    <cs:spPr>
+      <a:ln w="19050" cap="rnd">
+        <a:solidFill>
+          <a:schemeClr val="phClr"/>
+        </a:solidFill>
+        <a:prstDash val="sysDot"/>
+      </a:ln>
+    </cs:spPr>
+  </cs:trendline>
+  <cs:trendlineLabel>
+    <cs:lnRef idx="0"/>
+    <cs:fillRef idx="0"/>
+    <cs:effectRef idx="0"/>
+    <cs:fontRef idx="minor">
+      <a:schemeClr val="tx1">
+        <a:lumMod val="65000"/>
+        <a:lumOff val="35000"/>
+      </a:schemeClr>
+    </cs:fontRef>
+    <cs:defRPr sz="900" kern="1200"/>
+  </cs:trendlineLabel>
+  <cs:upBar>
+    <cs:lnRef idx="0"/>
+    <cs:fillRef idx="0"/>
+    <cs:effectRef idx="0"/>
+    <cs:fontRef idx="minor">
+      <a:schemeClr val="dk1"/>
+    </cs:fontRef>
+    <cs:spPr>
+      <a:solidFill>
+        <a:schemeClr val="lt1"/>
+      </a:solidFill>
+      <a:ln w="9525">
+        <a:solidFill>
+          <a:schemeClr val="tx1">
+            <a:lumMod val="15000"/>
+            <a:lumOff val="85000"/>
+          </a:schemeClr>
+        </a:solidFill>
+      </a:ln>
+    </cs:spPr>
+  </cs:upBar>
+  <cs:valueAxis>
+    <cs:lnRef idx="0"/>
+    <cs:fillRef idx="0"/>
+    <cs:effectRef idx="0"/>
+    <cs:fontRef idx="minor">
+      <a:schemeClr val="tx1">
+        <a:lumMod val="65000"/>
+        <a:lumOff val="35000"/>
+      </a:schemeClr>
+    </cs:fontRef>
+    <cs:defRPr sz="900" kern="1200"/>
+  </cs:valueAxis>
+  <cs:wall>
+    <cs:lnRef idx="0"/>
+    <cs:fillRef idx="0"/>
+    <cs:effectRef idx="0"/>
+    <cs:fontRef idx="minor">
+      <a:schemeClr val="tx1"/>
+    </cs:fontRef>
+    <cs:spPr>
+      <a:noFill/>
+      <a:ln>
+        <a:noFill/>
+      </a:ln>
+    </cs:spPr>
+  </cs:wall>
+</cs:chartStyle>
+</file>
+
+<file path=ppt/charts/style4.xml><?xml version="1.0" encoding="utf-8"?>
 <cs:chartStyle xmlns:cs="http://schemas.microsoft.com/office/drawing/2012/chartStyle" xmlns:a="http://schemas.openxmlformats.org/drawingml/2006/main" id="234">
   <cs:axisTitle>
     <cs:lnRef idx="0"/>
@@ -3457,7 +4464,7 @@
 </cs:chartStyle>
 </file>
 
-<file path=ppt/charts/style4.xml><?xml version="1.0" encoding="utf-8"?>
+<file path=ppt/charts/style5.xml><?xml version="1.0" encoding="utf-8"?>
 <cs:chartStyle xmlns:cs="http://schemas.microsoft.com/office/drawing/2012/chartStyle" xmlns:a="http://schemas.openxmlformats.org/drawingml/2006/main" id="202">
   <cs:axisTitle>
     <cs:lnRef idx="0"/>
@@ -4063,7 +5070,7 @@
           <a:p>
             <a:fld id="{1E9C489F-1AE0-4BF4-A0E8-99E11A76F1F3}" type="datetimeFigureOut">
               <a:rPr lang="en-AE" smtClean="0"/>
-              <a:t>19/02/2023</a:t>
+              <a:t>20/02/2023</a:t>
             </a:fld>
             <a:endParaRPr lang="en-AE"/>
           </a:p>
@@ -4588,7 +5595,7 @@
           <a:p>
             <a:fld id="{4AFDDDD1-A7D9-4654-8AB2-C6D266C22B7F}" type="slidenum">
               <a:rPr lang="en-AE" smtClean="0"/>
-              <a:t>5</a:t>
+              <a:t>6</a:t>
             </a:fld>
             <a:endParaRPr lang="en-AE"/>
           </a:p>
@@ -4672,7 +5679,7 @@
           <a:p>
             <a:fld id="{4AFDDDD1-A7D9-4654-8AB2-C6D266C22B7F}" type="slidenum">
               <a:rPr lang="en-AE" smtClean="0"/>
-              <a:t>6</a:t>
+              <a:t>7</a:t>
             </a:fld>
             <a:endParaRPr lang="en-AE"/>
           </a:p>
@@ -4759,7 +5766,7 @@
           <a:p>
             <a:fld id="{4AFDDDD1-A7D9-4654-8AB2-C6D266C22B7F}" type="slidenum">
               <a:rPr lang="en-AE" smtClean="0"/>
-              <a:t>7</a:t>
+              <a:t>8</a:t>
             </a:fld>
             <a:endParaRPr lang="en-AE"/>
           </a:p>
@@ -4927,7 +5934,7 @@
           <a:p>
             <a:fld id="{6C33C97D-C2AB-4BF5-A3E0-9B9582A73F0E}" type="datetimeFigureOut">
               <a:rPr lang="en-PK" smtClean="0"/>
-              <a:t>02/19/2023</a:t>
+              <a:t>20/02/2023</a:t>
             </a:fld>
             <a:endParaRPr lang="en-PK"/>
           </a:p>
@@ -5127,7 +6134,7 @@
           <a:p>
             <a:fld id="{6C33C97D-C2AB-4BF5-A3E0-9B9582A73F0E}" type="datetimeFigureOut">
               <a:rPr lang="en-PK" smtClean="0"/>
-              <a:t>02/19/2023</a:t>
+              <a:t>20/02/2023</a:t>
             </a:fld>
             <a:endParaRPr lang="en-PK"/>
           </a:p>
@@ -5337,7 +6344,7 @@
           <a:p>
             <a:fld id="{6C33C97D-C2AB-4BF5-A3E0-9B9582A73F0E}" type="datetimeFigureOut">
               <a:rPr lang="en-PK" smtClean="0"/>
-              <a:t>02/19/2023</a:t>
+              <a:t>20/02/2023</a:t>
             </a:fld>
             <a:endParaRPr lang="en-PK"/>
           </a:p>
@@ -5537,7 +6544,7 @@
           <a:p>
             <a:fld id="{6C33C97D-C2AB-4BF5-A3E0-9B9582A73F0E}" type="datetimeFigureOut">
               <a:rPr lang="en-PK" smtClean="0"/>
-              <a:t>02/19/2023</a:t>
+              <a:t>20/02/2023</a:t>
             </a:fld>
             <a:endParaRPr lang="en-PK"/>
           </a:p>
@@ -5813,7 +6820,7 @@
           <a:p>
             <a:fld id="{6C33C97D-C2AB-4BF5-A3E0-9B9582A73F0E}" type="datetimeFigureOut">
               <a:rPr lang="en-PK" smtClean="0"/>
-              <a:t>02/19/2023</a:t>
+              <a:t>20/02/2023</a:t>
             </a:fld>
             <a:endParaRPr lang="en-PK"/>
           </a:p>
@@ -6081,7 +7088,7 @@
           <a:p>
             <a:fld id="{6C33C97D-C2AB-4BF5-A3E0-9B9582A73F0E}" type="datetimeFigureOut">
               <a:rPr lang="en-PK" smtClean="0"/>
-              <a:t>02/19/2023</a:t>
+              <a:t>20/02/2023</a:t>
             </a:fld>
             <a:endParaRPr lang="en-PK"/>
           </a:p>
@@ -6496,7 +7503,7 @@
           <a:p>
             <a:fld id="{6C33C97D-C2AB-4BF5-A3E0-9B9582A73F0E}" type="datetimeFigureOut">
               <a:rPr lang="en-PK" smtClean="0"/>
-              <a:t>02/19/2023</a:t>
+              <a:t>20/02/2023</a:t>
             </a:fld>
             <a:endParaRPr lang="en-PK"/>
           </a:p>
@@ -6638,7 +7645,7 @@
           <a:p>
             <a:fld id="{6C33C97D-C2AB-4BF5-A3E0-9B9582A73F0E}" type="datetimeFigureOut">
               <a:rPr lang="en-PK" smtClean="0"/>
-              <a:t>02/19/2023</a:t>
+              <a:t>20/02/2023</a:t>
             </a:fld>
             <a:endParaRPr lang="en-PK"/>
           </a:p>
@@ -6751,7 +7758,7 @@
           <a:p>
             <a:fld id="{6C33C97D-C2AB-4BF5-A3E0-9B9582A73F0E}" type="datetimeFigureOut">
               <a:rPr lang="en-PK" smtClean="0"/>
-              <a:t>02/19/2023</a:t>
+              <a:t>20/02/2023</a:t>
             </a:fld>
             <a:endParaRPr lang="en-PK"/>
           </a:p>
@@ -7064,7 +8071,7 @@
           <a:p>
             <a:fld id="{6C33C97D-C2AB-4BF5-A3E0-9B9582A73F0E}" type="datetimeFigureOut">
               <a:rPr lang="en-PK" smtClean="0"/>
-              <a:t>02/19/2023</a:t>
+              <a:t>20/02/2023</a:t>
             </a:fld>
             <a:endParaRPr lang="en-PK"/>
           </a:p>
@@ -7353,7 +8360,7 @@
           <a:p>
             <a:fld id="{6C33C97D-C2AB-4BF5-A3E0-9B9582A73F0E}" type="datetimeFigureOut">
               <a:rPr lang="en-PK" smtClean="0"/>
-              <a:t>02/19/2023</a:t>
+              <a:t>20/02/2023</a:t>
             </a:fld>
             <a:endParaRPr lang="en-PK"/>
           </a:p>
@@ -7596,7 +8603,7 @@
           <a:p>
             <a:fld id="{6C33C97D-C2AB-4BF5-A3E0-9B9582A73F0E}" type="datetimeFigureOut">
               <a:rPr lang="en-PK" smtClean="0"/>
-              <a:t>02/19/2023</a:t>
+              <a:t>20/02/2023</a:t>
             </a:fld>
             <a:endParaRPr lang="en-PK"/>
           </a:p>
@@ -8206,7 +9213,7 @@
           <p:cNvPr id="2" name="Title 1">
             <a:extLst>
               <a:ext uri="{FF2B5EF4-FFF2-40B4-BE49-F238E27FC236}">
-                <a16:creationId xmlns:a16="http://schemas.microsoft.com/office/drawing/2014/main" id="{0FB7ACA5-E508-4E5D-ABDB-62D035581D13}"/>
+                <a16:creationId xmlns:a16="http://schemas.microsoft.com/office/drawing/2014/main" id="{F7571D67-7781-47B6-9B7A-20B95B42770F}"/>
               </a:ext>
             </a:extLst>
           </p:cNvPr>
@@ -8224,7 +9231,7 @@
           <a:p>
             <a:r>
               <a:rPr lang="en-US" dirty="0"/>
-              <a:t>KIBOR rates (Yearly Average 2016-2021)</a:t>
+              <a:t>KIBOR rates (Daily 2016-2021)</a:t>
             </a:r>
             <a:endParaRPr lang="en-PK" dirty="0"/>
           </a:p>
@@ -8235,7 +9242,7 @@
           <p:cNvPr id="4" name="Content Placeholder 3">
             <a:extLst>
               <a:ext uri="{FF2B5EF4-FFF2-40B4-BE49-F238E27FC236}">
-                <a16:creationId xmlns:a16="http://schemas.microsoft.com/office/drawing/2014/main" id="{2B08D29A-6B00-4D46-842E-06A7342BEFF8}"/>
+                <a16:creationId xmlns:a16="http://schemas.microsoft.com/office/drawing/2014/main" id="{13DC1B38-A8E4-41BF-AB5F-96D053A5993D}"/>
               </a:ext>
             </a:extLst>
           </p:cNvPr>
@@ -8246,16 +9253,15 @@
             <p:ph idx="1"/>
           </p:nvPr>
         </p:nvPicPr>
-        <p:blipFill>
+        <p:blipFill rotWithShape="1">
           <a:blip r:embed="rId2"/>
-          <a:stretch>
-            <a:fillRect/>
-          </a:stretch>
+          <a:srcRect t="1288" b="-1"/>
+          <a:stretch/>
         </p:blipFill>
         <p:spPr>
           <a:xfrm>
-            <a:off x="0" y="1690688"/>
-            <a:ext cx="12192000" cy="5159265"/>
+            <a:off x="0" y="1690687"/>
+            <a:ext cx="12192000" cy="5321457"/>
           </a:xfrm>
           <a:prstGeom prst="rect">
             <a:avLst/>
@@ -8265,7 +9271,7 @@
     </p:spTree>
     <p:extLst>
       <p:ext uri="{BB962C8B-B14F-4D97-AF65-F5344CB8AC3E}">
-        <p14:creationId xmlns:p14="http://schemas.microsoft.com/office/powerpoint/2010/main" val="1089823612"/>
+        <p14:creationId xmlns:p14="http://schemas.microsoft.com/office/powerpoint/2010/main" val="2073097021"/>
       </p:ext>
     </p:extLst>
   </p:cSld>
@@ -8297,7 +9303,7 @@
           <p:cNvPr id="2" name="Title 1">
             <a:extLst>
               <a:ext uri="{FF2B5EF4-FFF2-40B4-BE49-F238E27FC236}">
-                <a16:creationId xmlns:a16="http://schemas.microsoft.com/office/drawing/2014/main" id="{C423DE69-1871-427C-8C83-EE36130FA83F}"/>
+                <a16:creationId xmlns:a16="http://schemas.microsoft.com/office/drawing/2014/main" id="{0FB7ACA5-E508-4E5D-ABDB-62D035581D13}"/>
               </a:ext>
             </a:extLst>
           </p:cNvPr>
@@ -8315,119 +9321,48 @@
           <a:p>
             <a:r>
               <a:rPr lang="en-US" dirty="0"/>
-              <a:t>KIBOR</a:t>
+              <a:t>KIBOR rates (Yearly Average 2016-2021)</a:t>
             </a:r>
             <a:endParaRPr lang="en-PK" dirty="0"/>
           </a:p>
         </p:txBody>
       </p:sp>
-      <p:sp>
-        <p:nvSpPr>
-          <p:cNvPr id="3" name="Content Placeholder 2">
+      <p:pic>
+        <p:nvPicPr>
+          <p:cNvPr id="4" name="Content Placeholder 3">
             <a:extLst>
               <a:ext uri="{FF2B5EF4-FFF2-40B4-BE49-F238E27FC236}">
-                <a16:creationId xmlns:a16="http://schemas.microsoft.com/office/drawing/2014/main" id="{025EA17E-FADF-4CB5-9797-01888F96225B}"/>
+                <a16:creationId xmlns:a16="http://schemas.microsoft.com/office/drawing/2014/main" id="{2B08D29A-6B00-4D46-842E-06A7342BEFF8}"/>
               </a:ext>
             </a:extLst>
           </p:cNvPr>
-          <p:cNvSpPr>
-            <a:spLocks noGrp="1"/>
-          </p:cNvSpPr>
+          <p:cNvPicPr>
+            <a:picLocks noGrp="1" noChangeAspect="1"/>
+          </p:cNvPicPr>
           <p:nvPr>
             <p:ph idx="1"/>
           </p:nvPr>
-        </p:nvSpPr>
-        <p:spPr/>
-        <p:txBody>
-          <a:bodyPr>
-            <a:normAutofit/>
-          </a:bodyPr>
-          <a:lstStyle/>
-          <a:p>
-            <a:r>
-              <a:rPr lang="en-US" b="1" i="0" dirty="0">
-                <a:solidFill>
-                  <a:srgbClr val="333333"/>
-                </a:solidFill>
-                <a:effectLst/>
-                <a:latin typeface="Verdana" panose="020B0604030504040204" pitchFamily="34" charset="0"/>
-              </a:rPr>
-              <a:t>Karachi inter-bank offered rate</a:t>
-            </a:r>
-            <a:r>
-              <a:rPr lang="en-US" b="0" i="0" dirty="0">
-                <a:solidFill>
-                  <a:srgbClr val="333333"/>
-                </a:solidFill>
-                <a:effectLst/>
-                <a:latin typeface="Verdana" panose="020B0604030504040204" pitchFamily="34" charset="0"/>
-              </a:rPr>
-              <a:t> (</a:t>
-            </a:r>
-            <a:r>
-              <a:rPr lang="en-US" b="1" i="0" dirty="0">
-                <a:solidFill>
-                  <a:srgbClr val="333333"/>
-                </a:solidFill>
-                <a:effectLst/>
-                <a:latin typeface="Verdana" panose="020B0604030504040204" pitchFamily="34" charset="0"/>
-              </a:rPr>
-              <a:t>KIBOR)</a:t>
-            </a:r>
-            <a:r>
-              <a:rPr lang="en-US" b="0" i="0" dirty="0">
-                <a:solidFill>
-                  <a:srgbClr val="333333"/>
-                </a:solidFill>
-                <a:effectLst/>
-                <a:latin typeface="Verdana" panose="020B0604030504040204" pitchFamily="34" charset="0"/>
-              </a:rPr>
-              <a:t> are interbank clean (without collateral) lending/borrowing rates quoted by the banks. </a:t>
-            </a:r>
-          </a:p>
-          <a:p>
-            <a:r>
-              <a:rPr lang="en-US" b="0" i="0" dirty="0">
-                <a:solidFill>
-                  <a:srgbClr val="333333"/>
-                </a:solidFill>
-                <a:effectLst/>
-                <a:latin typeface="Verdana" panose="020B0604030504040204" pitchFamily="34" charset="0"/>
-              </a:rPr>
-              <a:t>The banks under this arrangement quote these rates at specified time i.e. 11:30 am at Reuters. </a:t>
-            </a:r>
-          </a:p>
-          <a:p>
-            <a:r>
-              <a:rPr lang="en-US" b="0" i="0" dirty="0">
-                <a:solidFill>
-                  <a:srgbClr val="333333"/>
-                </a:solidFill>
-                <a:effectLst/>
-                <a:latin typeface="Verdana" panose="020B0604030504040204" pitchFamily="34" charset="0"/>
-              </a:rPr>
-              <a:t>Currently 20 banks are members of KIBOR club and, by excluding 4 upper and 4 lower extreme. </a:t>
-            </a:r>
-          </a:p>
-          <a:p>
-            <a:r>
-              <a:rPr lang="en-US" b="0" i="0" dirty="0">
-                <a:solidFill>
-                  <a:srgbClr val="333333"/>
-                </a:solidFill>
-                <a:effectLst/>
-                <a:latin typeface="Verdana" panose="020B0604030504040204" pitchFamily="34" charset="0"/>
-              </a:rPr>
-              <a:t>KIBOR is used as a benchmark for corporate lending rates.</a:t>
-            </a:r>
-            <a:endParaRPr lang="en-PK" dirty="0"/>
-          </a:p>
-        </p:txBody>
-      </p:sp>
+        </p:nvPicPr>
+        <p:blipFill>
+          <a:blip r:embed="rId2"/>
+          <a:stretch>
+            <a:fillRect/>
+          </a:stretch>
+        </p:blipFill>
+        <p:spPr>
+          <a:xfrm>
+            <a:off x="0" y="1690688"/>
+            <a:ext cx="12192000" cy="5159265"/>
+          </a:xfrm>
+          <a:prstGeom prst="rect">
+            <a:avLst/>
+          </a:prstGeom>
+        </p:spPr>
+      </p:pic>
     </p:spTree>
     <p:extLst>
       <p:ext uri="{BB962C8B-B14F-4D97-AF65-F5344CB8AC3E}">
-        <p14:creationId xmlns:p14="http://schemas.microsoft.com/office/powerpoint/2010/main" val="334117112"/>
+        <p14:creationId xmlns:p14="http://schemas.microsoft.com/office/powerpoint/2010/main" val="1089823612"/>
       </p:ext>
     </p:extLst>
   </p:cSld>
@@ -9354,7 +10289,7 @@
           <p:cNvPr id="2" name="Title 1">
             <a:extLst>
               <a:ext uri="{FF2B5EF4-FFF2-40B4-BE49-F238E27FC236}">
-                <a16:creationId xmlns:a16="http://schemas.microsoft.com/office/drawing/2014/main" id="{6AE394EE-20FC-61AC-2F0B-9B0BCAF92110}"/>
+                <a16:creationId xmlns:a16="http://schemas.microsoft.com/office/drawing/2014/main" id="{81030E12-0F7B-41CA-8C83-1BC3BC2E95BD}"/>
               </a:ext>
             </a:extLst>
           </p:cNvPr>
@@ -9367,16 +10302,14 @@
         </p:nvSpPr>
         <p:spPr/>
         <p:txBody>
-          <a:bodyPr>
-            <a:normAutofit/>
-          </a:bodyPr>
+          <a:bodyPr/>
           <a:lstStyle/>
           <a:p>
             <a:r>
-              <a:rPr lang="en-US" sz="4000" dirty="0"/>
-              <a:t>Percentage Of Foreign Cash As A Percentage Of Total Cash In Hand</a:t>
-            </a:r>
-            <a:endParaRPr lang="en-AE" sz="4000" dirty="0"/>
+              <a:rPr lang="en-US" dirty="0"/>
+              <a:t>Foreign Cash &amp; Exchange Rate</a:t>
+            </a:r>
+            <a:endParaRPr lang="en-PK" dirty="0"/>
           </a:p>
         </p:txBody>
       </p:sp>
@@ -9385,7 +10318,7 @@
           <p:cNvPr id="4" name="Content Placeholder 3">
             <a:extLst>
               <a:ext uri="{FF2B5EF4-FFF2-40B4-BE49-F238E27FC236}">
-                <a16:creationId xmlns:a16="http://schemas.microsoft.com/office/drawing/2014/main" id="{D6DC4551-085B-2B58-7268-C8C233665911}"/>
+                <a16:creationId xmlns:a16="http://schemas.microsoft.com/office/drawing/2014/main" id="{ABB9C3D3-53FA-4120-8276-FD20A55AFEC8}"/>
               </a:ext>
             </a:extLst>
           </p:cNvPr>
@@ -9396,25 +10329,25 @@
             <p:ph idx="1"/>
             <p:extLst>
               <p:ext uri="{D42A27DB-BD31-4B8C-83A1-F6EECF244321}">
-                <p14:modId xmlns:p14="http://schemas.microsoft.com/office/powerpoint/2010/main" val="4153790517"/>
+                <p14:modId xmlns:p14="http://schemas.microsoft.com/office/powerpoint/2010/main" val="630575061"/>
               </p:ext>
             </p:extLst>
           </p:nvPr>
         </p:nvGraphicFramePr>
         <p:xfrm>
-          <a:off x="0" y="1690688"/>
-          <a:ext cx="12192000" cy="5167312"/>
+          <a:off x="0" y="1975945"/>
+          <a:ext cx="12192000" cy="4882054"/>
         </p:xfrm>
         <a:graphic>
           <a:graphicData uri="http://schemas.openxmlformats.org/drawingml/2006/chart">
-            <c:chart xmlns:c="http://schemas.openxmlformats.org/drawingml/2006/chart" xmlns:r="http://schemas.openxmlformats.org/officeDocument/2006/relationships" r:id="rId3"/>
+            <c:chart xmlns:c="http://schemas.openxmlformats.org/drawingml/2006/chart" xmlns:r="http://schemas.openxmlformats.org/officeDocument/2006/relationships" r:id="rId2"/>
           </a:graphicData>
         </a:graphic>
       </p:graphicFrame>
     </p:spTree>
     <p:extLst>
       <p:ext uri="{BB962C8B-B14F-4D97-AF65-F5344CB8AC3E}">
-        <p14:creationId xmlns:p14="http://schemas.microsoft.com/office/powerpoint/2010/main" val="175808777"/>
+        <p14:creationId xmlns:p14="http://schemas.microsoft.com/office/powerpoint/2010/main" val="3071207343"/>
       </p:ext>
     </p:extLst>
   </p:cSld>
@@ -9446,7 +10379,7 @@
           <p:cNvPr id="2" name="Title 1">
             <a:extLst>
               <a:ext uri="{FF2B5EF4-FFF2-40B4-BE49-F238E27FC236}">
-                <a16:creationId xmlns:a16="http://schemas.microsoft.com/office/drawing/2014/main" id="{970C6671-47B1-74A4-F5C3-699A0E90CC21}"/>
+                <a16:creationId xmlns:a16="http://schemas.microsoft.com/office/drawing/2014/main" id="{6AE394EE-20FC-61AC-2F0B-9B0BCAF92110}"/>
               </a:ext>
             </a:extLst>
           </p:cNvPr>
@@ -9459,153 +10392,54 @@
         </p:nvSpPr>
         <p:spPr/>
         <p:txBody>
-          <a:bodyPr/>
+          <a:bodyPr>
+            <a:normAutofit/>
+          </a:bodyPr>
           <a:lstStyle/>
           <a:p>
             <a:r>
-              <a:rPr lang="en-US" dirty="0"/>
-              <a:t>Implications</a:t>
-            </a:r>
-            <a:endParaRPr lang="en-AE" dirty="0"/>
+              <a:rPr lang="en-US" sz="4000" dirty="0"/>
+              <a:t>Percentage Of Foreign Cash As A Percentage Of Total Cash In Hand</a:t>
+            </a:r>
+            <a:endParaRPr lang="en-AE" sz="4000" dirty="0"/>
           </a:p>
         </p:txBody>
       </p:sp>
-      <p:sp>
-        <p:nvSpPr>
-          <p:cNvPr id="3" name="Content Placeholder 2">
+      <p:graphicFrame>
+        <p:nvGraphicFramePr>
+          <p:cNvPr id="4" name="Content Placeholder 3">
             <a:extLst>
               <a:ext uri="{FF2B5EF4-FFF2-40B4-BE49-F238E27FC236}">
-                <a16:creationId xmlns:a16="http://schemas.microsoft.com/office/drawing/2014/main" id="{B1C3DE78-11AF-4A74-2996-66B04F3738DC}"/>
+                <a16:creationId xmlns:a16="http://schemas.microsoft.com/office/drawing/2014/main" id="{D6DC4551-085B-2B58-7268-C8C233665911}"/>
               </a:ext>
             </a:extLst>
           </p:cNvPr>
-          <p:cNvSpPr>
-            <a:spLocks noGrp="1"/>
-          </p:cNvSpPr>
+          <p:cNvGraphicFramePr>
+            <a:graphicFrameLocks noGrp="1"/>
+          </p:cNvGraphicFramePr>
           <p:nvPr>
             <p:ph idx="1"/>
-          </p:nvPr>
-        </p:nvSpPr>
-        <p:spPr/>
-        <p:txBody>
-          <a:bodyPr/>
-          <a:lstStyle/>
-          <a:p>
-            <a:pPr marL="342900" lvl="0" indent="-342900">
-              <a:lnSpc>
-                <a:spcPct val="107000"/>
-              </a:lnSpc>
-              <a:spcAft>
-                <a:spcPts val="800"/>
-              </a:spcAft>
-              <a:buFont typeface="+mj-lt"/>
-              <a:buAutoNum type="arabicPeriod"/>
-              <a:tabLst>
-                <a:tab pos="457200" algn="l"/>
-              </a:tabLst>
-            </a:pPr>
-            <a:r>
-              <a:rPr lang="en-AE" sz="2400" dirty="0">
-                <a:effectLst/>
-                <a:latin typeface="Calibri" panose="020F0502020204030204" pitchFamily="34" charset="0"/>
-                <a:ea typeface="Calibri" panose="020F0502020204030204" pitchFamily="34" charset="0"/>
-                <a:cs typeface="Times New Roman" panose="02020603050405020304" pitchFamily="18" charset="0"/>
-              </a:rPr>
-              <a:t>Trade: Since in general the overall incomes of people has been rising, </a:t>
-            </a:r>
-            <a:r>
-              <a:rPr lang="en-AE" sz="2400" dirty="0">
-                <a:latin typeface="Calibri" panose="020F0502020204030204" pitchFamily="34" charset="0"/>
-                <a:ea typeface="Calibri" panose="020F0502020204030204" pitchFamily="34" charset="0"/>
-                <a:cs typeface="Times New Roman" panose="02020603050405020304" pitchFamily="18" charset="0"/>
-              </a:rPr>
-              <a:t>c</a:t>
-            </a:r>
-            <a:r>
-              <a:rPr lang="en-AE" sz="2400" dirty="0">
-                <a:effectLst/>
-                <a:latin typeface="Calibri" panose="020F0502020204030204" pitchFamily="34" charset="0"/>
-                <a:ea typeface="Calibri" panose="020F0502020204030204" pitchFamily="34" charset="0"/>
-                <a:cs typeface="Times New Roman" panose="02020603050405020304" pitchFamily="18" charset="0"/>
-              </a:rPr>
-              <a:t>ommercial banks have to purchase foreign currency to facilitate import payments, which has contributed to the rise in demand for foreign currency over the years.</a:t>
-            </a:r>
-          </a:p>
-          <a:p>
-            <a:pPr marL="342900" lvl="0" indent="-342900">
-              <a:lnSpc>
-                <a:spcPct val="107000"/>
-              </a:lnSpc>
-              <a:spcAft>
-                <a:spcPts val="800"/>
-              </a:spcAft>
-              <a:buFont typeface="+mj-lt"/>
-              <a:buAutoNum type="arabicPeriod"/>
-              <a:tabLst>
-                <a:tab pos="457200" algn="l"/>
-              </a:tabLst>
-            </a:pPr>
-            <a:endParaRPr lang="en-AE" sz="2400" dirty="0">
-              <a:effectLst/>
-              <a:latin typeface="Calibri" panose="020F0502020204030204" pitchFamily="34" charset="0"/>
-              <a:ea typeface="Calibri" panose="020F0502020204030204" pitchFamily="34" charset="0"/>
-              <a:cs typeface="Times New Roman" panose="02020603050405020304" pitchFamily="18" charset="0"/>
-            </a:endParaRPr>
-          </a:p>
-          <a:p>
-            <a:pPr marL="342900" lvl="0" indent="-342900">
-              <a:lnSpc>
-                <a:spcPct val="107000"/>
-              </a:lnSpc>
-              <a:spcAft>
-                <a:spcPts val="800"/>
-              </a:spcAft>
-              <a:buFont typeface="+mj-lt"/>
-              <a:buAutoNum type="arabicPeriod"/>
-              <a:tabLst>
-                <a:tab pos="457200" algn="l"/>
-              </a:tabLst>
-            </a:pPr>
-            <a:r>
-              <a:rPr lang="en-AE" sz="2400" dirty="0">
-                <a:effectLst/>
-                <a:latin typeface="Calibri" panose="020F0502020204030204" pitchFamily="34" charset="0"/>
-                <a:ea typeface="Calibri" panose="020F0502020204030204" pitchFamily="34" charset="0"/>
-                <a:cs typeface="Times New Roman" panose="02020603050405020304" pitchFamily="18" charset="0"/>
-              </a:rPr>
-              <a:t>Remittances: Pakistan is one of the largest recipients of remittances in the world. In 2021, the country received over $31 billion in remittances, which was a record high. As a result, commercial banks in Pakistan have had to purchase foreign currency to convert the remittances into Pakistani rupees.</a:t>
-            </a:r>
-          </a:p>
-          <a:p>
-            <a:pPr marL="342900" lvl="0" indent="-342900">
-              <a:lnSpc>
-                <a:spcPct val="107000"/>
-              </a:lnSpc>
-              <a:spcAft>
-                <a:spcPts val="800"/>
-              </a:spcAft>
-              <a:buFont typeface="+mj-lt"/>
-              <a:buAutoNum type="arabicPeriod"/>
-              <a:tabLst>
-                <a:tab pos="457200" algn="l"/>
-              </a:tabLst>
-            </a:pPr>
-            <a:endParaRPr lang="en-AE" sz="1800" dirty="0">
-              <a:effectLst/>
-              <a:latin typeface="Calibri" panose="020F0502020204030204" pitchFamily="34" charset="0"/>
-              <a:ea typeface="Calibri" panose="020F0502020204030204" pitchFamily="34" charset="0"/>
-              <a:cs typeface="Times New Roman" panose="02020603050405020304" pitchFamily="18" charset="0"/>
-            </a:endParaRPr>
-          </a:p>
-          <a:p>
-            <a:endParaRPr lang="en-AE" dirty="0"/>
-          </a:p>
-        </p:txBody>
-      </p:sp>
+            <p:extLst>
+              <p:ext uri="{D42A27DB-BD31-4B8C-83A1-F6EECF244321}">
+                <p14:modId xmlns:p14="http://schemas.microsoft.com/office/powerpoint/2010/main" val="4153790517"/>
+              </p:ext>
+            </p:extLst>
+          </p:nvPr>
+        </p:nvGraphicFramePr>
+        <p:xfrm>
+          <a:off x="0" y="1690688"/>
+          <a:ext cx="12192000" cy="5167312"/>
+        </p:xfrm>
+        <a:graphic>
+          <a:graphicData uri="http://schemas.openxmlformats.org/drawingml/2006/chart">
+            <c:chart xmlns:c="http://schemas.openxmlformats.org/drawingml/2006/chart" xmlns:r="http://schemas.openxmlformats.org/officeDocument/2006/relationships" r:id="rId3"/>
+          </a:graphicData>
+        </a:graphic>
+      </p:graphicFrame>
     </p:spTree>
     <p:extLst>
       <p:ext uri="{BB962C8B-B14F-4D97-AF65-F5344CB8AC3E}">
-        <p14:creationId xmlns:p14="http://schemas.microsoft.com/office/powerpoint/2010/main" val="2610734797"/>
+        <p14:creationId xmlns:p14="http://schemas.microsoft.com/office/powerpoint/2010/main" val="175808777"/>
       </p:ext>
     </p:extLst>
   </p:cSld>
@@ -9637,7 +10471,7 @@
           <p:cNvPr id="2" name="Title 1">
             <a:extLst>
               <a:ext uri="{FF2B5EF4-FFF2-40B4-BE49-F238E27FC236}">
-                <a16:creationId xmlns:a16="http://schemas.microsoft.com/office/drawing/2014/main" id="{FE3CC609-6581-84F1-7479-9DAB6BCA8797}"/>
+                <a16:creationId xmlns:a16="http://schemas.microsoft.com/office/drawing/2014/main" id="{970C6671-47B1-74A4-F5C3-699A0E90CC21}"/>
               </a:ext>
             </a:extLst>
           </p:cNvPr>
@@ -9655,8 +10489,9 @@
           <a:p>
             <a:r>
               <a:rPr lang="en-US" dirty="0"/>
-              <a:t>Implications (cont.)</a:t>
-            </a:r>
+              <a:t>Implications</a:t>
+            </a:r>
+            <a:endParaRPr lang="en-AE" dirty="0"/>
           </a:p>
         </p:txBody>
       </p:sp>
@@ -9665,7 +10500,7 @@
           <p:cNvPr id="3" name="Content Placeholder 2">
             <a:extLst>
               <a:ext uri="{FF2B5EF4-FFF2-40B4-BE49-F238E27FC236}">
-                <a16:creationId xmlns:a16="http://schemas.microsoft.com/office/drawing/2014/main" id="{7D24964E-46FA-6CD5-91CA-61930ECC88BD}"/>
+                <a16:creationId xmlns:a16="http://schemas.microsoft.com/office/drawing/2014/main" id="{B1C3DE78-11AF-4A74-2996-66B04F3738DC}"/>
               </a:ext>
             </a:extLst>
           </p:cNvPr>
@@ -9678,54 +10513,118 @@
         </p:nvSpPr>
         <p:spPr/>
         <p:txBody>
-          <a:bodyPr>
-            <a:normAutofit fontScale="77500" lnSpcReduction="20000"/>
-          </a:bodyPr>
+          <a:bodyPr/>
           <a:lstStyle/>
           <a:p>
-            <a:r>
-              <a:rPr lang="en-US" dirty="0"/>
-              <a:t>Debt servicing: Pakistan has a large external debt, and Askari Bank had to purchase foreign currency to make payments on behalf of their clients for principal and interest on foreign loans.</a:t>
-            </a:r>
-          </a:p>
-          <a:p>
-            <a:r>
-              <a:rPr lang="en-US" dirty="0"/>
-              <a:t>Foreign investment: Pakistan has been attracting foreign investment, particularly in the energy and infrastructure sectors. Askari Bank had to meet the foreign currency demands of these investors, which has also contributed to the rise in demand for foreign currency.</a:t>
-            </a:r>
-          </a:p>
-          <a:p>
-            <a:r>
-              <a:rPr lang="en-US" dirty="0"/>
-              <a:t>Political and economic instability: Pakistan has faced political and economic instability in the past 5 years, which has led to fluctuations in the exchange rate. This has encouraged Askari Bank to hold foreign currency as a hedge against currency risk.</a:t>
-            </a:r>
-          </a:p>
-          <a:p>
-            <a:r>
-              <a:rPr lang="en-US" dirty="0"/>
-              <a:t>Speculation: </a:t>
-            </a:r>
-            <a:r>
-              <a:rPr lang="en-US"/>
-              <a:t>Askari Bank may </a:t>
-            </a:r>
-            <a:r>
-              <a:rPr lang="en-US" dirty="0"/>
-              <a:t>also hold foreign currency as a speculative investment, in anticipation of a potential appreciation in the value of the currency.</a:t>
-            </a:r>
-          </a:p>
-          <a:p>
-            <a:r>
-              <a:rPr lang="en-US" dirty="0"/>
-              <a:t>Market conditions: Fluctuations in the exchange rate or other market conditions could have led to increased demand for foreign currency by Askari Bank Limited, particularly if the bank was looking to manage currency risk on behalf of its clients.</a:t>
-            </a:r>
+            <a:pPr>
+              <a:lnSpc>
+                <a:spcPct val="107000"/>
+              </a:lnSpc>
+              <a:spcAft>
+                <a:spcPts val="800"/>
+              </a:spcAft>
+              <a:tabLst>
+                <a:tab pos="457200" algn="l"/>
+              </a:tabLst>
+            </a:pPr>
+            <a:r>
+              <a:rPr lang="en-AE" sz="2400" dirty="0">
+                <a:effectLst/>
+                <a:latin typeface="Calibri" panose="020F0502020204030204" pitchFamily="34" charset="0"/>
+                <a:ea typeface="Calibri" panose="020F0502020204030204" pitchFamily="34" charset="0"/>
+                <a:cs typeface="Times New Roman" panose="02020603050405020304" pitchFamily="18" charset="0"/>
+              </a:rPr>
+              <a:t>Trade: Since in general the overall incomes of people has been rising, </a:t>
+            </a:r>
+            <a:r>
+              <a:rPr lang="en-AE" sz="2400" dirty="0">
+                <a:latin typeface="Calibri" panose="020F0502020204030204" pitchFamily="34" charset="0"/>
+                <a:ea typeface="Calibri" panose="020F0502020204030204" pitchFamily="34" charset="0"/>
+                <a:cs typeface="Times New Roman" panose="02020603050405020304" pitchFamily="18" charset="0"/>
+              </a:rPr>
+              <a:t>c</a:t>
+            </a:r>
+            <a:r>
+              <a:rPr lang="en-AE" sz="2400" dirty="0">
+                <a:effectLst/>
+                <a:latin typeface="Calibri" panose="020F0502020204030204" pitchFamily="34" charset="0"/>
+                <a:ea typeface="Calibri" panose="020F0502020204030204" pitchFamily="34" charset="0"/>
+                <a:cs typeface="Times New Roman" panose="02020603050405020304" pitchFamily="18" charset="0"/>
+              </a:rPr>
+              <a:t>ommercial banks have to purchase foreign currency to facilitate import payments, which has contributed to the rise in demand for foreign currency over the years.</a:t>
+            </a:r>
+          </a:p>
+          <a:p>
+            <a:pPr>
+              <a:lnSpc>
+                <a:spcPct val="107000"/>
+              </a:lnSpc>
+              <a:spcAft>
+                <a:spcPts val="800"/>
+              </a:spcAft>
+              <a:tabLst>
+                <a:tab pos="457200" algn="l"/>
+              </a:tabLst>
+            </a:pPr>
+            <a:endParaRPr lang="en-AE" sz="2400" dirty="0">
+              <a:effectLst/>
+              <a:latin typeface="Calibri" panose="020F0502020204030204" pitchFamily="34" charset="0"/>
+              <a:ea typeface="Calibri" panose="020F0502020204030204" pitchFamily="34" charset="0"/>
+              <a:cs typeface="Times New Roman" panose="02020603050405020304" pitchFamily="18" charset="0"/>
+            </a:endParaRPr>
+          </a:p>
+          <a:p>
+            <a:pPr>
+              <a:lnSpc>
+                <a:spcPct val="107000"/>
+              </a:lnSpc>
+              <a:spcAft>
+                <a:spcPts val="800"/>
+              </a:spcAft>
+              <a:tabLst>
+                <a:tab pos="457200" algn="l"/>
+              </a:tabLst>
+            </a:pPr>
+            <a:r>
+              <a:rPr lang="en-AE" sz="2400" dirty="0">
+                <a:effectLst/>
+                <a:latin typeface="Calibri" panose="020F0502020204030204" pitchFamily="34" charset="0"/>
+                <a:ea typeface="Calibri" panose="020F0502020204030204" pitchFamily="34" charset="0"/>
+                <a:cs typeface="Times New Roman" panose="02020603050405020304" pitchFamily="18" charset="0"/>
+              </a:rPr>
+              <a:t>Remittances: Pakistan is one of the largest recipients of remittances in the world. In 2021, the country received over $31 billion in remittances, which was a record high. As a result, commercial banks in Pakistan have had to purchase foreign currency to convert the remittances into Pakistani rupees.</a:t>
+            </a:r>
+          </a:p>
+          <a:p>
+            <a:pPr marL="342900" lvl="0" indent="-342900">
+              <a:lnSpc>
+                <a:spcPct val="107000"/>
+              </a:lnSpc>
+              <a:spcAft>
+                <a:spcPts val="800"/>
+              </a:spcAft>
+              <a:buFont typeface="+mj-lt"/>
+              <a:buAutoNum type="arabicPeriod"/>
+              <a:tabLst>
+                <a:tab pos="457200" algn="l"/>
+              </a:tabLst>
+            </a:pPr>
+            <a:endParaRPr lang="en-AE" sz="1800" dirty="0">
+              <a:effectLst/>
+              <a:latin typeface="Calibri" panose="020F0502020204030204" pitchFamily="34" charset="0"/>
+              <a:ea typeface="Calibri" panose="020F0502020204030204" pitchFamily="34" charset="0"/>
+              <a:cs typeface="Times New Roman" panose="02020603050405020304" pitchFamily="18" charset="0"/>
+            </a:endParaRPr>
+          </a:p>
+          <a:p>
+            <a:endParaRPr lang="en-AE" dirty="0"/>
           </a:p>
         </p:txBody>
       </p:sp>
     </p:spTree>
     <p:extLst>
       <p:ext uri="{BB962C8B-B14F-4D97-AF65-F5344CB8AC3E}">
-        <p14:creationId xmlns:p14="http://schemas.microsoft.com/office/powerpoint/2010/main" val="267890762"/>
+        <p14:creationId xmlns:p14="http://schemas.microsoft.com/office/powerpoint/2010/main" val="2610734797"/>
       </p:ext>
     </p:extLst>
   </p:cSld>
@@ -9757,7 +10656,7 @@
           <p:cNvPr id="2" name="Title 1">
             <a:extLst>
               <a:ext uri="{FF2B5EF4-FFF2-40B4-BE49-F238E27FC236}">
-                <a16:creationId xmlns:a16="http://schemas.microsoft.com/office/drawing/2014/main" id="{C423DE69-1871-427C-8C83-EE36130FA83F}"/>
+                <a16:creationId xmlns:a16="http://schemas.microsoft.com/office/drawing/2014/main" id="{FE3CC609-6581-84F1-7479-9DAB6BCA8797}"/>
               </a:ext>
             </a:extLst>
           </p:cNvPr>
@@ -9775,9 +10674,8 @@
           <a:p>
             <a:r>
               <a:rPr lang="en-US" dirty="0"/>
-              <a:t>KIBOR</a:t>
-            </a:r>
-            <a:endParaRPr lang="en-PK" dirty="0"/>
+              <a:t>Implications (cont.)</a:t>
+            </a:r>
           </a:p>
         </p:txBody>
       </p:sp>
@@ -9786,7 +10684,7 @@
           <p:cNvPr id="3" name="Content Placeholder 2">
             <a:extLst>
               <a:ext uri="{FF2B5EF4-FFF2-40B4-BE49-F238E27FC236}">
-                <a16:creationId xmlns:a16="http://schemas.microsoft.com/office/drawing/2014/main" id="{025EA17E-FADF-4CB5-9797-01888F96225B}"/>
+                <a16:creationId xmlns:a16="http://schemas.microsoft.com/office/drawing/2014/main" id="{7D24964E-46FA-6CD5-91CA-61930ECC88BD}"/>
               </a:ext>
             </a:extLst>
           </p:cNvPr>
@@ -9800,113 +10698,45 @@
         <p:spPr/>
         <p:txBody>
           <a:bodyPr>
-            <a:normAutofit/>
+            <a:normAutofit fontScale="77500" lnSpcReduction="20000"/>
           </a:bodyPr>
           <a:lstStyle/>
           <a:p>
             <a:r>
-              <a:rPr lang="en-US" b="1" i="0" dirty="0">
-                <a:solidFill>
-                  <a:srgbClr val="333333"/>
-                </a:solidFill>
-                <a:effectLst/>
-                <a:latin typeface="Verdana" panose="020B0604030504040204" pitchFamily="34" charset="0"/>
-              </a:rPr>
-              <a:t>Karachi inter-bank offered rate</a:t>
-            </a:r>
-            <a:r>
-              <a:rPr lang="en-US" b="0" i="0" dirty="0">
-                <a:solidFill>
-                  <a:srgbClr val="333333"/>
-                </a:solidFill>
-                <a:effectLst/>
-                <a:latin typeface="Verdana" panose="020B0604030504040204" pitchFamily="34" charset="0"/>
-              </a:rPr>
-              <a:t> (</a:t>
-            </a:r>
-            <a:r>
-              <a:rPr lang="en-US" b="1" i="0" dirty="0">
-                <a:solidFill>
-                  <a:srgbClr val="333333"/>
-                </a:solidFill>
-                <a:effectLst/>
-                <a:latin typeface="Verdana" panose="020B0604030504040204" pitchFamily="34" charset="0"/>
-              </a:rPr>
-              <a:t>KIBOR)</a:t>
-            </a:r>
-            <a:r>
-              <a:rPr lang="en-US" b="0" i="0" dirty="0">
-                <a:solidFill>
-                  <a:srgbClr val="333333"/>
-                </a:solidFill>
-                <a:effectLst/>
-                <a:latin typeface="Verdana" panose="020B0604030504040204" pitchFamily="34" charset="0"/>
-              </a:rPr>
-              <a:t> </a:t>
-            </a:r>
-            <a:r>
-              <a:rPr lang="en-US" dirty="0">
-                <a:solidFill>
-                  <a:srgbClr val="333333"/>
-                </a:solidFill>
-                <a:latin typeface="Verdana" panose="020B0604030504040204" pitchFamily="34" charset="0"/>
-              </a:rPr>
-              <a:t>is</a:t>
-            </a:r>
-            <a:r>
-              <a:rPr lang="en-US" b="0" i="0" dirty="0">
-                <a:solidFill>
-                  <a:srgbClr val="333333"/>
-                </a:solidFill>
-                <a:effectLst/>
-                <a:latin typeface="Verdana" panose="020B0604030504040204" pitchFamily="34" charset="0"/>
-              </a:rPr>
-              <a:t> interbank clean (without collateral) lending/borrowing rates quoted by the banks. </a:t>
-            </a:r>
-          </a:p>
-          <a:p>
-            <a:r>
-              <a:rPr lang="en-US" b="0" i="0" dirty="0">
-                <a:solidFill>
-                  <a:srgbClr val="333333"/>
-                </a:solidFill>
-                <a:effectLst/>
-                <a:latin typeface="Verdana" panose="020B0604030504040204" pitchFamily="34" charset="0"/>
-              </a:rPr>
-              <a:t>The banks under this arrangement quote these rates at specified time i.e. 11:30 am at Reuters. </a:t>
-            </a:r>
-          </a:p>
-          <a:p>
-            <a:r>
-              <a:rPr lang="en-US" b="0" i="0" dirty="0">
-                <a:solidFill>
-                  <a:srgbClr val="333333"/>
-                </a:solidFill>
-                <a:effectLst/>
-                <a:latin typeface="Verdana" panose="020B0604030504040204" pitchFamily="34" charset="0"/>
-              </a:rPr>
-              <a:t>Currently 20 banks are members of KIBOR club.</a:t>
-            </a:r>
-          </a:p>
-          <a:p>
-            <a:r>
-              <a:rPr lang="en-US" b="0" i="0" dirty="0">
-                <a:solidFill>
-                  <a:srgbClr val="333333"/>
-                </a:solidFill>
-                <a:effectLst/>
-                <a:latin typeface="Verdana" panose="020B0604030504040204" pitchFamily="34" charset="0"/>
-              </a:rPr>
-              <a:t>KIBOR is used as a benchmark for corporate lending rates.</a:t>
-            </a:r>
-            <a:endParaRPr lang="en-PK" dirty="0"/>
+              <a:rPr lang="en-US" dirty="0"/>
+              <a:t>Debt servicing: Pakistan has a large external debt, and Askari Bank had to purchase foreign currency to make payments on behalf of their clients for principal and interest on foreign loans.</a:t>
+            </a:r>
+          </a:p>
+          <a:p>
+            <a:r>
+              <a:rPr lang="en-US" dirty="0"/>
+              <a:t>Foreign investment: Pakistan has been attracting foreign investment, particularly in the energy and infrastructure sectors. Askari Bank had to meet the foreign currency demands of these investors, which has also contributed to the rise in demand for foreign currency.</a:t>
+            </a:r>
+          </a:p>
+          <a:p>
+            <a:r>
+              <a:rPr lang="en-US" dirty="0"/>
+              <a:t>Political and economic instability: Pakistan has faced political and economic instability in the past 5 years, which has led to fluctuations in the exchange rate. This has encouraged Askari Bank to hold foreign currency as a hedge against currency risk.</a:t>
+            </a:r>
+          </a:p>
+          <a:p>
+            <a:r>
+              <a:rPr lang="en-US" dirty="0"/>
+              <a:t>Speculation: Askari Bank may also hold foreign currency as a speculative investment, in anticipation of a potential appreciation in the value of the currency.</a:t>
+            </a:r>
+          </a:p>
+          <a:p>
+            <a:r>
+              <a:rPr lang="en-US" dirty="0"/>
+              <a:t>Market conditions: Fluctuations in the exchange rate or other market conditions could have led to increased demand for foreign currency by Askari Bank Limited, particularly if the bank was looking to manage currency risk on behalf of its clients.</a:t>
+            </a:r>
           </a:p>
         </p:txBody>
       </p:sp>
     </p:spTree>
     <p:extLst>
       <p:ext uri="{BB962C8B-B14F-4D97-AF65-F5344CB8AC3E}">
-        <p14:creationId xmlns:p14="http://schemas.microsoft.com/office/powerpoint/2010/main" val="2591387867"/>
+        <p14:creationId xmlns:p14="http://schemas.microsoft.com/office/powerpoint/2010/main" val="267890762"/>
       </p:ext>
     </p:extLst>
   </p:cSld>
@@ -9938,7 +10768,7 @@
           <p:cNvPr id="2" name="Title 1">
             <a:extLst>
               <a:ext uri="{FF2B5EF4-FFF2-40B4-BE49-F238E27FC236}">
-                <a16:creationId xmlns:a16="http://schemas.microsoft.com/office/drawing/2014/main" id="{F7571D67-7781-47B6-9B7A-20B95B42770F}"/>
+                <a16:creationId xmlns:a16="http://schemas.microsoft.com/office/drawing/2014/main" id="{C423DE69-1871-427C-8C83-EE36130FA83F}"/>
               </a:ext>
             </a:extLst>
           </p:cNvPr>
@@ -9956,47 +10786,138 @@
           <a:p>
             <a:r>
               <a:rPr lang="en-US" dirty="0"/>
-              <a:t>KIBOR rates (Daily 2016-2021)</a:t>
+              <a:t>KIBOR</a:t>
             </a:r>
             <a:endParaRPr lang="en-PK" dirty="0"/>
           </a:p>
         </p:txBody>
       </p:sp>
-      <p:pic>
-        <p:nvPicPr>
-          <p:cNvPr id="4" name="Content Placeholder 3">
+      <p:sp>
+        <p:nvSpPr>
+          <p:cNvPr id="3" name="Content Placeholder 2">
             <a:extLst>
               <a:ext uri="{FF2B5EF4-FFF2-40B4-BE49-F238E27FC236}">
-                <a16:creationId xmlns:a16="http://schemas.microsoft.com/office/drawing/2014/main" id="{13DC1B38-A8E4-41BF-AB5F-96D053A5993D}"/>
+                <a16:creationId xmlns:a16="http://schemas.microsoft.com/office/drawing/2014/main" id="{025EA17E-FADF-4CB5-9797-01888F96225B}"/>
               </a:ext>
             </a:extLst>
           </p:cNvPr>
-          <p:cNvPicPr>
-            <a:picLocks noGrp="1" noChangeAspect="1"/>
-          </p:cNvPicPr>
+          <p:cNvSpPr>
+            <a:spLocks noGrp="1"/>
+          </p:cNvSpPr>
           <p:nvPr>
             <p:ph idx="1"/>
           </p:nvPr>
-        </p:nvPicPr>
-        <p:blipFill rotWithShape="1">
-          <a:blip r:embed="rId2"/>
-          <a:srcRect t="1288" b="-1"/>
-          <a:stretch/>
-        </p:blipFill>
-        <p:spPr>
-          <a:xfrm>
-            <a:off x="0" y="1690687"/>
-            <a:ext cx="12192000" cy="5321457"/>
-          </a:xfrm>
-          <a:prstGeom prst="rect">
-            <a:avLst/>
-          </a:prstGeom>
-        </p:spPr>
-      </p:pic>
+        </p:nvSpPr>
+        <p:spPr/>
+        <p:txBody>
+          <a:bodyPr>
+            <a:normAutofit/>
+          </a:bodyPr>
+          <a:lstStyle/>
+          <a:p>
+            <a:r>
+              <a:rPr lang="en-US" b="1" i="0" dirty="0">
+                <a:solidFill>
+                  <a:srgbClr val="333333"/>
+                </a:solidFill>
+                <a:effectLst/>
+                <a:latin typeface="Verdana" panose="020B0604030504040204" pitchFamily="34" charset="0"/>
+              </a:rPr>
+              <a:t>Karachi inter-bank offered rate</a:t>
+            </a:r>
+            <a:r>
+              <a:rPr lang="en-US" b="0" i="0" dirty="0">
+                <a:solidFill>
+                  <a:srgbClr val="333333"/>
+                </a:solidFill>
+                <a:effectLst/>
+                <a:latin typeface="Verdana" panose="020B0604030504040204" pitchFamily="34" charset="0"/>
+              </a:rPr>
+              <a:t> (</a:t>
+            </a:r>
+            <a:r>
+              <a:rPr lang="en-US" b="1" i="0" dirty="0">
+                <a:solidFill>
+                  <a:srgbClr val="333333"/>
+                </a:solidFill>
+                <a:effectLst/>
+                <a:latin typeface="Verdana" panose="020B0604030504040204" pitchFamily="34" charset="0"/>
+              </a:rPr>
+              <a:t>KIBOR)</a:t>
+            </a:r>
+            <a:r>
+              <a:rPr lang="en-US" b="0" i="0" dirty="0">
+                <a:solidFill>
+                  <a:srgbClr val="333333"/>
+                </a:solidFill>
+                <a:effectLst/>
+                <a:latin typeface="Verdana" panose="020B0604030504040204" pitchFamily="34" charset="0"/>
+              </a:rPr>
+              <a:t> </a:t>
+            </a:r>
+            <a:r>
+              <a:rPr lang="en-US" dirty="0">
+                <a:solidFill>
+                  <a:srgbClr val="333333"/>
+                </a:solidFill>
+                <a:latin typeface="Verdana" panose="020B0604030504040204" pitchFamily="34" charset="0"/>
+              </a:rPr>
+              <a:t>is</a:t>
+            </a:r>
+            <a:r>
+              <a:rPr lang="en-US" b="0" i="0" dirty="0">
+                <a:solidFill>
+                  <a:srgbClr val="333333"/>
+                </a:solidFill>
+                <a:effectLst/>
+                <a:latin typeface="Verdana" panose="020B0604030504040204" pitchFamily="34" charset="0"/>
+              </a:rPr>
+              <a:t> interbank clean (without collateral) lending/borrowing rates quoted by the banks. </a:t>
+            </a:r>
+          </a:p>
+          <a:p>
+            <a:r>
+              <a:rPr lang="en-US" b="0" i="0" dirty="0">
+                <a:solidFill>
+                  <a:srgbClr val="333333"/>
+                </a:solidFill>
+                <a:effectLst/>
+                <a:latin typeface="Verdana" panose="020B0604030504040204" pitchFamily="34" charset="0"/>
+              </a:rPr>
+              <a:t>The banks under this arrangement quote these rates at specified time i.e. 11:30 am at Reuters. </a:t>
+            </a:r>
+          </a:p>
+          <a:p>
+            <a:r>
+              <a:rPr lang="en-US" b="0" i="0" dirty="0">
+                <a:solidFill>
+                  <a:srgbClr val="333333"/>
+                </a:solidFill>
+                <a:effectLst/>
+                <a:latin typeface="Verdana" panose="020B0604030504040204" pitchFamily="34" charset="0"/>
+              </a:rPr>
+              <a:t>Currently 20 banks are members of KIBOR club.</a:t>
+            </a:r>
+          </a:p>
+          <a:p>
+            <a:r>
+              <a:rPr lang="en-US" b="0" i="0" dirty="0">
+                <a:solidFill>
+                  <a:srgbClr val="333333"/>
+                </a:solidFill>
+                <a:effectLst/>
+                <a:latin typeface="Verdana" panose="020B0604030504040204" pitchFamily="34" charset="0"/>
+              </a:rPr>
+              <a:t>KIBOR is used as a benchmark for corporate lending rates.</a:t>
+            </a:r>
+            <a:endParaRPr lang="en-PK" dirty="0"/>
+          </a:p>
+        </p:txBody>
+      </p:sp>
     </p:spTree>
     <p:extLst>
       <p:ext uri="{BB962C8B-B14F-4D97-AF65-F5344CB8AC3E}">
-        <p14:creationId xmlns:p14="http://schemas.microsoft.com/office/powerpoint/2010/main" val="2073097021"/>
+        <p14:creationId xmlns:p14="http://schemas.microsoft.com/office/powerpoint/2010/main" val="2591387867"/>
       </p:ext>
     </p:extLst>
   </p:cSld>
